--- a/PPT템플릿/오라클(편의점).pptx
+++ b/PPT템플릿/오라클(편의점).pptx
@@ -1,36 +1,36 @@
 
 <file path=ppt/presentation.xml><?xml version="1.0" encoding="utf-8"?>
-<p:presentation xmlns:a="http://schemas.openxmlformats.org/drawingml/2006/main" xmlns:r="http://schemas.openxmlformats.org/officeDocument/2006/relationships" xmlns:p="http://schemas.openxmlformats.org/presentationml/2006/main" saveSubsetFonts="1">
+<p:presentation xmlns:r="http://schemas.openxmlformats.org/officeDocument/2006/relationships" xmlns:c="http://schemas.openxmlformats.org/drawingml/2006/chart" xmlns:a="http://schemas.openxmlformats.org/drawingml/2006/main" xmlns:dgm="http://schemas.openxmlformats.org/drawingml/2006/diagram" xmlns:dsp="http://schemas.microsoft.com/office/drawing/2008/diagram" xmlns:p="http://schemas.openxmlformats.org/presentationml/2006/main" saveSubsetFonts="1">
   <p:sldMasterIdLst>
-    <p:sldMasterId id="2147483648" r:id="rId1"/>
+    <p:sldMasterId id="2147483662" r:id="rId1"/>
   </p:sldMasterIdLst>
   <p:notesMasterIdLst>
-    <p:notesMasterId r:id="rId25"/>
+    <p:notesMasterId r:id="rId2"/>
   </p:notesMasterIdLst>
   <p:sldIdLst>
-    <p:sldId id="304" r:id="rId2"/>
-    <p:sldId id="290" r:id="rId3"/>
-    <p:sldId id="310" r:id="rId4"/>
-    <p:sldId id="303" r:id="rId5"/>
-    <p:sldId id="311" r:id="rId6"/>
-    <p:sldId id="302" r:id="rId7"/>
-    <p:sldId id="312" r:id="rId8"/>
-    <p:sldId id="291" r:id="rId9"/>
-    <p:sldId id="314" r:id="rId10"/>
-    <p:sldId id="300" r:id="rId11"/>
-    <p:sldId id="313" r:id="rId12"/>
-    <p:sldId id="293" r:id="rId13"/>
-    <p:sldId id="305" r:id="rId14"/>
-    <p:sldId id="306" r:id="rId15"/>
-    <p:sldId id="309" r:id="rId16"/>
-    <p:sldId id="307" r:id="rId17"/>
-    <p:sldId id="308" r:id="rId18"/>
-    <p:sldId id="317" r:id="rId19"/>
-    <p:sldId id="318" r:id="rId20"/>
-    <p:sldId id="316" r:id="rId21"/>
-    <p:sldId id="315" r:id="rId22"/>
-    <p:sldId id="298" r:id="rId23"/>
-    <p:sldId id="319" r:id="rId24"/>
+    <p:sldId id="256" r:id="rId3"/>
+    <p:sldId id="257" r:id="rId4"/>
+    <p:sldId id="258" r:id="rId5"/>
+    <p:sldId id="259" r:id="rId6"/>
+    <p:sldId id="260" r:id="rId7"/>
+    <p:sldId id="261" r:id="rId8"/>
+    <p:sldId id="262" r:id="rId9"/>
+    <p:sldId id="263" r:id="rId10"/>
+    <p:sldId id="264" r:id="rId11"/>
+    <p:sldId id="265" r:id="rId12"/>
+    <p:sldId id="266" r:id="rId13"/>
+    <p:sldId id="267" r:id="rId14"/>
+    <p:sldId id="268" r:id="rId15"/>
+    <p:sldId id="269" r:id="rId16"/>
+    <p:sldId id="270" r:id="rId17"/>
+    <p:sldId id="271" r:id="rId18"/>
+    <p:sldId id="272" r:id="rId19"/>
+    <p:sldId id="273" r:id="rId20"/>
+    <p:sldId id="274" r:id="rId21"/>
+    <p:sldId id="275" r:id="rId22"/>
+    <p:sldId id="276" r:id="rId23"/>
+    <p:sldId id="277" r:id="rId24"/>
+    <p:sldId id="278" r:id="rId25"/>
   </p:sldIdLst>
   <p:sldSz cx="12192000" cy="6858000"/>
   <p:notesSz cx="6858000" cy="9144000"/>
@@ -129,30 +129,11 @@
       </a:defRPr>
     </a:lvl9pPr>
   </p:defaultTextStyle>
-  <p:extLst>
-    <p:ext uri="{EFAFB233-063F-42B5-8137-9DF3F51BA10A}">
-      <p15:sldGuideLst xmlns:p15="http://schemas.microsoft.com/office/powerpoint/2012/main">
-        <p15:guide id="1" orient="horz" pos="2160" userDrawn="1">
-          <p15:clr>
-            <a:srgbClr val="A4A3A4"/>
-          </p15:clr>
-        </p15:guide>
-        <p15:guide id="2" pos="3840" userDrawn="1">
-          <p15:clr>
-            <a:srgbClr val="A4A3A4"/>
-          </p15:clr>
-        </p15:guide>
-      </p15:sldGuideLst>
-    </p:ext>
-    <p:ext uri="{2D200454-40CA-4A62-9FC3-DE9A4176ACB9}">
-      <p15:notesGuideLst xmlns:p15="http://schemas.microsoft.com/office/powerpoint/2012/main"/>
-    </p:ext>
-  </p:extLst>
 </p:presentation>
 </file>
 
 <file path=ppt/notesMasters/notesMaster1.xml><?xml version="1.0" encoding="utf-8"?>
-<p:notesMaster xmlns:a="http://schemas.openxmlformats.org/drawingml/2006/main" xmlns:r="http://schemas.openxmlformats.org/officeDocument/2006/relationships" xmlns:p="http://schemas.openxmlformats.org/presentationml/2006/main">
+<p:notesMaster xmlns:r="http://schemas.openxmlformats.org/officeDocument/2006/relationships" xmlns:c="http://schemas.openxmlformats.org/drawingml/2006/chart" xmlns:a="http://schemas.openxmlformats.org/drawingml/2006/main" xmlns:dgm="http://schemas.openxmlformats.org/drawingml/2006/diagram" xmlns:dsp="http://schemas.microsoft.com/office/drawing/2008/diagram" xmlns:p="http://schemas.openxmlformats.org/presentationml/2006/main">
   <p:cSld>
     <p:bg>
       <p:bgRef idx="1001">
@@ -180,7 +161,7 @@
             <a:spLocks noGrp="1"/>
           </p:cNvSpPr>
           <p:nvPr>
-            <p:ph type="hdr" sz="quarter"/>
+            <p:ph type="hdr" sz="quarter" idx="0"/>
           </p:nvPr>
         </p:nvSpPr>
         <p:spPr>
@@ -193,13 +174,20 @@
           </a:prstGeom>
         </p:spPr>
         <p:txBody>
-          <a:bodyPr vert="horz" lIns="91440" tIns="45720" rIns="91440" bIns="45720" rtlCol="0"/>
+          <a:bodyPr vert="horz" lIns="91440" tIns="45720" rIns="91440" bIns="45720"/>
           <a:lstStyle>
             <a:lvl1pPr algn="l">
               <a:defRPr sz="1200"/>
             </a:lvl1pPr>
           </a:lstStyle>
           <a:p>
+            <a:pPr lvl="0">
+              <a:defRPr/>
+            </a:pPr>
+            <a:r>
+              <a:rPr lang="ko-KR" altLang="en-US"/>
+              <a:t/>
+            </a:r>
             <a:endParaRPr lang="ko-KR" altLang="en-US"/>
           </a:p>
         </p:txBody>
@@ -224,15 +212,21 @@
           </a:prstGeom>
         </p:spPr>
         <p:txBody>
-          <a:bodyPr vert="horz" lIns="91440" tIns="45720" rIns="91440" bIns="45720" rtlCol="0"/>
+          <a:bodyPr vert="horz" lIns="91440" tIns="45720" rIns="91440" bIns="45720"/>
           <a:lstStyle>
             <a:lvl1pPr algn="r">
               <a:defRPr sz="1200"/>
             </a:lvl1pPr>
           </a:lstStyle>
           <a:p>
-            <a:fld id="{00845399-6B8F-4F36-8887-414559F97689}" type="datetimeFigureOut">
-              <a:rPr lang="ko-KR" altLang="en-US" smtClean="0"/>
+            <a:pPr lvl="0">
+              <a:defRPr/>
+            </a:pPr>
+            <a:fld id="{00845399-6B8F-4F36-8887-414559F97689}" type="datetime1">
+              <a:rPr lang="ko-KR" altLang="en-US"/>
+              <a:pPr lvl="0">
+                <a:defRPr/>
+              </a:pPr>
               <a:t>2023-10-23</a:t>
             </a:fld>
             <a:endParaRPr lang="ko-KR" altLang="en-US"/>
@@ -243,7 +237,7 @@
         <p:nvSpPr>
           <p:cNvPr id="4" name="슬라이드 이미지 개체 틀 3"/>
           <p:cNvSpPr>
-            <a:spLocks noGrp="1" noRot="1" noChangeAspect="1"/>
+            <a:spLocks noGrp="1" noRot="1" noChangeAspect="1" noTextEdit="1"/>
           </p:cNvSpPr>
           <p:nvPr>
             <p:ph type="sldImg" idx="2"/>
@@ -265,9 +259,12 @@
           </a:ln>
         </p:spPr>
         <p:txBody>
-          <a:bodyPr vert="horz" lIns="91440" tIns="45720" rIns="91440" bIns="45720" rtlCol="0" anchor="ctr"/>
+          <a:bodyPr vert="horz" lIns="91440" tIns="45720" rIns="91440" bIns="45720" anchor="ctr"/>
           <a:lstStyle/>
           <a:p>
+            <a:pPr lvl="0">
+              <a:defRPr/>
+            </a:pPr>
             <a:endParaRPr lang="ko-KR" altLang="en-US"/>
           </a:p>
         </p:txBody>
@@ -292,40 +289,54 @@
           </a:prstGeom>
         </p:spPr>
         <p:txBody>
-          <a:bodyPr vert="horz" lIns="91440" tIns="45720" rIns="91440" bIns="45720" rtlCol="0"/>
+          <a:bodyPr vert="horz" lIns="91440" tIns="45720" rIns="91440" bIns="45720"/>
           <a:lstStyle/>
           <a:p>
-            <a:pPr lvl="0"/>
-            <a:r>
-              <a:rPr lang="ko-KR" altLang="en-US" smtClean="0"/>
+            <a:pPr lvl="0">
+              <a:defRPr/>
+            </a:pPr>
+            <a:r>
+              <a:rPr lang="ko-KR" altLang="en-US"/>
               <a:t>마스터 텍스트 스타일 편집</a:t>
             </a:r>
-          </a:p>
-          <a:p>
-            <a:pPr lvl="1"/>
-            <a:r>
-              <a:rPr lang="ko-KR" altLang="en-US" smtClean="0"/>
+            <a:endParaRPr lang="ko-KR" altLang="en-US"/>
+          </a:p>
+          <a:p>
+            <a:pPr lvl="1">
+              <a:defRPr/>
+            </a:pPr>
+            <a:r>
+              <a:rPr lang="ko-KR" altLang="en-US"/>
               <a:t>둘째 수준</a:t>
             </a:r>
-          </a:p>
-          <a:p>
-            <a:pPr lvl="2"/>
-            <a:r>
-              <a:rPr lang="ko-KR" altLang="en-US" smtClean="0"/>
+            <a:endParaRPr lang="ko-KR" altLang="en-US"/>
+          </a:p>
+          <a:p>
+            <a:pPr lvl="2">
+              <a:defRPr/>
+            </a:pPr>
+            <a:r>
+              <a:rPr lang="ko-KR" altLang="en-US"/>
               <a:t>셋째 수준</a:t>
             </a:r>
-          </a:p>
-          <a:p>
-            <a:pPr lvl="3"/>
-            <a:r>
-              <a:rPr lang="ko-KR" altLang="en-US" smtClean="0"/>
+            <a:endParaRPr lang="ko-KR" altLang="en-US"/>
+          </a:p>
+          <a:p>
+            <a:pPr lvl="3">
+              <a:defRPr/>
+            </a:pPr>
+            <a:r>
+              <a:rPr lang="ko-KR" altLang="en-US"/>
               <a:t>넷째 수준</a:t>
             </a:r>
-          </a:p>
-          <a:p>
-            <a:pPr lvl="4"/>
-            <a:r>
-              <a:rPr lang="ko-KR" altLang="en-US" smtClean="0"/>
+            <a:endParaRPr lang="ko-KR" altLang="en-US"/>
+          </a:p>
+          <a:p>
+            <a:pPr lvl="4">
+              <a:defRPr/>
+            </a:pPr>
+            <a:r>
+              <a:rPr lang="ko-KR" altLang="en-US"/>
               <a:t>다섯째 수준</a:t>
             </a:r>
             <a:endParaRPr lang="ko-KR" altLang="en-US"/>
@@ -352,13 +363,20 @@
           </a:prstGeom>
         </p:spPr>
         <p:txBody>
-          <a:bodyPr vert="horz" lIns="91440" tIns="45720" rIns="91440" bIns="45720" rtlCol="0" anchor="b"/>
+          <a:bodyPr vert="horz" lIns="91440" tIns="45720" rIns="91440" bIns="45720" anchor="b"/>
           <a:lstStyle>
             <a:lvl1pPr algn="l">
               <a:defRPr sz="1200"/>
             </a:lvl1pPr>
           </a:lstStyle>
           <a:p>
+            <a:pPr lvl="0">
+              <a:defRPr/>
+            </a:pPr>
+            <a:r>
+              <a:rPr lang="ko-KR" altLang="en-US"/>
+              <a:t/>
+            </a:r>
             <a:endParaRPr lang="ko-KR" altLang="en-US"/>
           </a:p>
         </p:txBody>
@@ -383,15 +401,21 @@
           </a:prstGeom>
         </p:spPr>
         <p:txBody>
-          <a:bodyPr vert="horz" lIns="91440" tIns="45720" rIns="91440" bIns="45720" rtlCol="0" anchor="b"/>
+          <a:bodyPr vert="horz" lIns="91440" tIns="45720" rIns="91440" bIns="45720" anchor="b"/>
           <a:lstStyle>
             <a:lvl1pPr algn="r">
               <a:defRPr sz="1200"/>
             </a:lvl1pPr>
           </a:lstStyle>
           <a:p>
+            <a:pPr lvl="0">
+              <a:defRPr/>
+            </a:pPr>
             <a:fld id="{5146A103-1134-4072-A290-F79DB221C03E}" type="slidenum">
-              <a:rPr lang="ko-KR" altLang="en-US" smtClean="0"/>
+              <a:rPr lang="ko-KR" altLang="en-US"/>
+              <a:pPr lvl="0">
+                <a:defRPr/>
+              </a:pPr>
               <a:t>‹#›</a:t>
             </a:fld>
             <a:endParaRPr lang="ko-KR" altLang="en-US"/>
@@ -399,13 +423,9 @@
         </p:txBody>
       </p:sp>
     </p:spTree>
-    <p:extLst>
-      <p:ext uri="{BB962C8B-B14F-4D97-AF65-F5344CB8AC3E}">
-        <p14:creationId xmlns:p14="http://schemas.microsoft.com/office/powerpoint/2010/main" val="1819752296"/>
-      </p:ext>
-    </p:extLst>
   </p:cSld>
   <p:clrMap bg1="lt1" tx1="dk1" bg2="lt2" tx2="dk2" accent1="accent1" accent2="accent2" accent3="accent3" accent4="accent4" accent5="accent5" accent6="accent6" hlink="hlink" folHlink="folHlink"/>
+  <p:hf hdr="0" ftr="0" dt="0"/>
   <p:notesStyle>
     <a:lvl1pPr marL="0" algn="l" defTabSz="914400" rtl="0" eaLnBrk="1" latinLnBrk="1" hangingPunct="1">
       <a:defRPr sz="1200" kern="1200">
@@ -10522,7 +10542,7 @@
 </file>
 
 <file path=ppt/slides/slide22.xml><?xml version="1.0" encoding="utf-8"?>
-<p:sld xmlns:a="http://schemas.openxmlformats.org/drawingml/2006/main" xmlns:r="http://schemas.openxmlformats.org/officeDocument/2006/relationships" xmlns:p="http://schemas.openxmlformats.org/presentationml/2006/main">
+<p:sld xmlns:r="http://schemas.openxmlformats.org/officeDocument/2006/relationships" xmlns:c="http://schemas.openxmlformats.org/drawingml/2006/chart" xmlns:a="http://schemas.openxmlformats.org/drawingml/2006/main" xmlns:dgm="http://schemas.openxmlformats.org/drawingml/2006/diagram" xmlns:dsp="http://schemas.microsoft.com/office/drawing/2008/diagram" xmlns:p="http://schemas.openxmlformats.org/presentationml/2006/main">
   <p:cSld>
     <p:spTree>
       <p:nvGrpSpPr>
@@ -10545,7 +10565,7 @@
           <p:nvPr/>
         </p:nvGrpSpPr>
         <p:grpSpPr>
-          <a:xfrm>
+          <a:xfrm rot="0">
             <a:off x="0" y="4880503"/>
             <a:ext cx="12192000" cy="1977497"/>
             <a:chOff x="0" y="4880503"/>
@@ -10593,10 +10613,12 @@
             </a:fontRef>
           </p:style>
           <p:txBody>
-            <a:bodyPr rtlCol="0" anchor="ctr"/>
+            <a:bodyPr anchor="ctr"/>
             <a:lstStyle/>
             <a:p>
-              <a:pPr algn="ctr"/>
+              <a:pPr algn="ctr">
+                <a:defRPr/>
+              </a:pPr>
               <a:endParaRPr lang="ko-KR" altLang="en-US"/>
             </a:p>
           </p:txBody>
@@ -10642,10 +10664,12 @@
             </a:fontRef>
           </p:style>
           <p:txBody>
-            <a:bodyPr rtlCol="0" anchor="ctr"/>
+            <a:bodyPr anchor="ctr"/>
             <a:lstStyle/>
             <a:p>
-              <a:pPr algn="ctr"/>
+              <a:pPr algn="ctr">
+                <a:defRPr/>
+              </a:pPr>
               <a:endParaRPr lang="ko-KR" altLang="en-US"/>
             </a:p>
           </p:txBody>
@@ -10653,13 +10677,7 @@
       </p:grpSp>
       <p:cxnSp>
         <p:nvCxnSpPr>
-          <p:cNvPr id="24" name="직선 연결선 23">
-            <a:extLst>
-              <a:ext uri="{FF2B5EF4-FFF2-40B4-BE49-F238E27FC236}">
-                <a16:creationId xmlns:a16="http://schemas.microsoft.com/office/drawing/2014/main" id="{DB9D2B11-1A0A-71AC-476F-0FE7FAC4C718}"/>
-              </a:ext>
-            </a:extLst>
-          </p:cNvPr>
+          <p:cNvPr id="24" name="직선 연결선 23"/>
           <p:cNvCxnSpPr/>
           <p:nvPr/>
         </p:nvCxnSpPr>
@@ -10697,13 +10715,7 @@
       </p:cxnSp>
       <p:sp>
         <p:nvSpPr>
-          <p:cNvPr id="25" name="TextBox 24">
-            <a:extLst>
-              <a:ext uri="{FF2B5EF4-FFF2-40B4-BE49-F238E27FC236}">
-                <a16:creationId xmlns:a16="http://schemas.microsoft.com/office/drawing/2014/main" id="{3E95F627-55D1-E011-B02F-83023BB3539B}"/>
-              </a:ext>
-            </a:extLst>
-          </p:cNvPr>
+          <p:cNvPr id="25" name="TextBox 24"/>
           <p:cNvSpPr txBox="1"/>
           <p:nvPr/>
         </p:nvSpPr>
@@ -10718,21 +10730,24 @@
           <a:noFill/>
         </p:spPr>
         <p:txBody>
-          <a:bodyPr wrap="none" rtlCol="0">
+          <a:bodyPr wrap="none">
             <a:spAutoFit/>
           </a:bodyPr>
           <a:lstStyle/>
           <a:p>
-            <a:r>
-              <a:rPr lang="ko-KR" altLang="en-US" sz="3500" b="1" dirty="0" smtClean="0">
-                <a:latin typeface="나눔고딕 ExtraBold" panose="020D0904000000000000" pitchFamily="50" charset="-127"/>
-                <a:ea typeface="나눔고딕 ExtraBold" panose="020D0904000000000000" pitchFamily="50" charset="-127"/>
+            <a:pPr lvl="0">
+              <a:defRPr/>
+            </a:pPr>
+            <a:r>
+              <a:rPr lang="ko-KR" altLang="en-US" sz="3500" b="1">
+                <a:latin typeface="나눔고딕 ExtraBold"/>
+                <a:ea typeface="나눔고딕 ExtraBold"/>
               </a:rPr>
               <a:t>자체 평가 의견</a:t>
             </a:r>
-            <a:endParaRPr lang="ko-KR" altLang="en-US" sz="3500" b="1" dirty="0">
-              <a:latin typeface="나눔고딕 ExtraBold" panose="020D0904000000000000" pitchFamily="50" charset="-127"/>
-              <a:ea typeface="나눔고딕 ExtraBold" panose="020D0904000000000000" pitchFamily="50" charset="-127"/>
+            <a:endParaRPr lang="ko-KR" altLang="en-US" sz="3500" b="1">
+              <a:latin typeface="나눔고딕 ExtraBold"/>
+              <a:ea typeface="나눔고딕 ExtraBold"/>
             </a:endParaRPr>
           </a:p>
         </p:txBody>
@@ -10744,11 +10759,11 @@
           <p:nvPr/>
         </p:nvGrpSpPr>
         <p:grpSpPr>
-          <a:xfrm>
+          <a:xfrm rot="0">
             <a:off x="481754" y="1674606"/>
-            <a:ext cx="11225578" cy="3508789"/>
+            <a:ext cx="11225579" cy="3508789"/>
             <a:chOff x="481754" y="1674606"/>
-            <a:chExt cx="11225578" cy="3508789"/>
+            <a:chExt cx="11225579" cy="3508789"/>
           </a:xfrm>
         </p:grpSpPr>
         <p:grpSp>
@@ -10758,8 +10773,8 @@
             <p:nvPr/>
           </p:nvGrpSpPr>
           <p:grpSpPr>
-            <a:xfrm>
-              <a:off x="7372030" y="1674607"/>
+            <a:xfrm rot="0">
+              <a:off x="7372029" y="1674607"/>
               <a:ext cx="2041453" cy="3508788"/>
               <a:chOff x="946239" y="1871456"/>
               <a:chExt cx="2041453" cy="3508788"/>
@@ -10767,13 +10782,7 @@
           </p:grpSpPr>
           <p:sp>
             <p:nvSpPr>
-              <p:cNvPr id="21" name="직사각형 20">
-                <a:extLst>
-                  <a:ext uri="{FF2B5EF4-FFF2-40B4-BE49-F238E27FC236}">
-                    <a16:creationId xmlns:a16="http://schemas.microsoft.com/office/drawing/2014/main" id="{DB5245B3-B384-79C4-C161-E9D251FD5D49}"/>
-                  </a:ext>
-                </a:extLst>
-              </p:cNvPr>
+              <p:cNvPr id="21" name="직사각형 20"/>
               <p:cNvSpPr/>
               <p:nvPr/>
             </p:nvSpPr>
@@ -10813,23 +10822,19 @@
               </a:fontRef>
             </p:style>
             <p:txBody>
-              <a:bodyPr rtlCol="0" anchor="ctr"/>
+              <a:bodyPr anchor="ctr"/>
               <a:lstStyle/>
               <a:p>
-                <a:pPr algn="ctr"/>
+                <a:pPr algn="ctr">
+                  <a:defRPr/>
+                </a:pPr>
                 <a:endParaRPr lang="ko-KR" altLang="en-US"/>
               </a:p>
             </p:txBody>
           </p:sp>
           <p:sp>
             <p:nvSpPr>
-              <p:cNvPr id="22" name="직사각형 21">
-                <a:extLst>
-                  <a:ext uri="{FF2B5EF4-FFF2-40B4-BE49-F238E27FC236}">
-                    <a16:creationId xmlns:a16="http://schemas.microsoft.com/office/drawing/2014/main" id="{5D460151-306C-6C52-951F-F62AF52AE571}"/>
-                  </a:ext>
-                </a:extLst>
-              </p:cNvPr>
+              <p:cNvPr id="22" name="직사각형 21"/>
               <p:cNvSpPr/>
               <p:nvPr/>
             </p:nvSpPr>
@@ -10870,36 +10875,32 @@
               </a:fontRef>
             </p:style>
             <p:txBody>
-              <a:bodyPr rtlCol="0" anchor="ctr"/>
+              <a:bodyPr anchor="ctr"/>
               <a:lstStyle/>
               <a:p>
-                <a:pPr algn="ctr"/>
+                <a:pPr algn="ctr">
+                  <a:defRPr/>
+                </a:pPr>
                 <a:endParaRPr lang="ko-KR" altLang="en-US" sz="2500" b="1">
                   <a:solidFill>
                     <a:schemeClr val="tx1"/>
                   </a:solidFill>
-                  <a:latin typeface="나눔고딕" panose="020D0604000000000000" pitchFamily="50" charset="-127"/>
-                  <a:ea typeface="나눔고딕" panose="020D0604000000000000" pitchFamily="50" charset="-127"/>
+                  <a:latin typeface="나눔고딕"/>
+                  <a:ea typeface="나눔고딕"/>
                 </a:endParaRPr>
               </a:p>
             </p:txBody>
           </p:sp>
           <p:sp>
             <p:nvSpPr>
-              <p:cNvPr id="23" name="TextBox 22">
-                <a:extLst>
-                  <a:ext uri="{FF2B5EF4-FFF2-40B4-BE49-F238E27FC236}">
-                    <a16:creationId xmlns:a16="http://schemas.microsoft.com/office/drawing/2014/main" id="{5E9F6B29-21D4-902E-CB0C-A7B5D13B4B99}"/>
-                  </a:ext>
-                </a:extLst>
-              </p:cNvPr>
+              <p:cNvPr id="23" name="TextBox 22"/>
               <p:cNvSpPr txBox="1"/>
               <p:nvPr/>
             </p:nvSpPr>
             <p:spPr>
               <a:xfrm>
-                <a:off x="1522451" y="1986429"/>
-                <a:ext cx="906018" cy="400110"/>
+                <a:off x="1512343" y="1986429"/>
+                <a:ext cx="916306" cy="389740"/>
               </a:xfrm>
               <a:prstGeom prst="rect">
                 <a:avLst/>
@@ -10907,22 +10908,24 @@
               <a:noFill/>
             </p:spPr>
             <p:txBody>
-              <a:bodyPr wrap="none" rtlCol="0">
+              <a:bodyPr wrap="none">
                 <a:spAutoFit/>
               </a:bodyPr>
               <a:lstStyle/>
               <a:p>
-                <a:pPr algn="ctr"/>
+                <a:pPr algn="ctr">
+                  <a:defRPr/>
+                </a:pPr>
                 <a:r>
-                  <a:rPr lang="ko-KR" altLang="en-US" sz="2000" b="1" dirty="0" err="1" smtClean="0">
-                    <a:latin typeface="나눔고딕" panose="020D0604000000000000" pitchFamily="50" charset="-127"/>
-                    <a:ea typeface="나눔고딕" panose="020D0604000000000000" pitchFamily="50" charset="-127"/>
+                  <a:rPr lang="ko-KR" altLang="en-US" sz="2000" b="1">
+                    <a:latin typeface="나눔고딕"/>
+                    <a:ea typeface="나눔고딕"/>
                   </a:rPr>
                   <a:t>정인혁</a:t>
                 </a:r>
-                <a:endParaRPr lang="ko-KR" altLang="en-US" sz="2000" b="1" dirty="0">
-                  <a:latin typeface="나눔고딕" panose="020D0604000000000000" pitchFamily="50" charset="-127"/>
-                  <a:ea typeface="나눔고딕" panose="020D0604000000000000" pitchFamily="50" charset="-127"/>
+                <a:endParaRPr lang="ko-KR" altLang="en-US" sz="2000" b="1">
+                  <a:latin typeface="나눔고딕"/>
+                  <a:ea typeface="나눔고딕"/>
                 </a:endParaRPr>
               </a:p>
             </p:txBody>
@@ -10935,7 +10938,7 @@
             <p:nvPr/>
           </p:nvGrpSpPr>
           <p:grpSpPr>
-            <a:xfrm>
+            <a:xfrm rot="0">
               <a:off x="481754" y="1674606"/>
               <a:ext cx="2041453" cy="3508788"/>
               <a:chOff x="946239" y="1871456"/>
@@ -10944,13 +10947,7 @@
           </p:grpSpPr>
           <p:sp>
             <p:nvSpPr>
-              <p:cNvPr id="5" name="직사각형 4">
-                <a:extLst>
-                  <a:ext uri="{FF2B5EF4-FFF2-40B4-BE49-F238E27FC236}">
-                    <a16:creationId xmlns:a16="http://schemas.microsoft.com/office/drawing/2014/main" id="{DB5245B3-B384-79C4-C161-E9D251FD5D49}"/>
-                  </a:ext>
-                </a:extLst>
-              </p:cNvPr>
+              <p:cNvPr id="5" name="직사각형 4"/>
               <p:cNvSpPr/>
               <p:nvPr/>
             </p:nvSpPr>
@@ -10990,23 +10987,19 @@
               </a:fontRef>
             </p:style>
             <p:txBody>
-              <a:bodyPr rtlCol="0" anchor="ctr"/>
+              <a:bodyPr anchor="ctr"/>
               <a:lstStyle/>
               <a:p>
-                <a:pPr algn="ctr"/>
+                <a:pPr algn="ctr">
+                  <a:defRPr/>
+                </a:pPr>
                 <a:endParaRPr lang="ko-KR" altLang="en-US"/>
               </a:p>
             </p:txBody>
           </p:sp>
           <p:sp>
             <p:nvSpPr>
-              <p:cNvPr id="6" name="직사각형 5">
-                <a:extLst>
-                  <a:ext uri="{FF2B5EF4-FFF2-40B4-BE49-F238E27FC236}">
-                    <a16:creationId xmlns:a16="http://schemas.microsoft.com/office/drawing/2014/main" id="{5D460151-306C-6C52-951F-F62AF52AE571}"/>
-                  </a:ext>
-                </a:extLst>
-              </p:cNvPr>
+              <p:cNvPr id="6" name="직사각형 5"/>
               <p:cNvSpPr/>
               <p:nvPr/>
             </p:nvSpPr>
@@ -11047,36 +11040,32 @@
               </a:fontRef>
             </p:style>
             <p:txBody>
-              <a:bodyPr rtlCol="0" anchor="ctr"/>
+              <a:bodyPr anchor="ctr"/>
               <a:lstStyle/>
               <a:p>
-                <a:pPr algn="ctr"/>
+                <a:pPr algn="ctr">
+                  <a:defRPr/>
+                </a:pPr>
                 <a:endParaRPr lang="ko-KR" altLang="en-US" sz="2500" b="1">
                   <a:solidFill>
                     <a:schemeClr val="tx1"/>
                   </a:solidFill>
-                  <a:latin typeface="나눔고딕" panose="020D0604000000000000" pitchFamily="50" charset="-127"/>
-                  <a:ea typeface="나눔고딕" panose="020D0604000000000000" pitchFamily="50" charset="-127"/>
+                  <a:latin typeface="나눔고딕"/>
+                  <a:ea typeface="나눔고딕"/>
                 </a:endParaRPr>
               </a:p>
             </p:txBody>
           </p:sp>
           <p:sp>
             <p:nvSpPr>
-              <p:cNvPr id="7" name="TextBox 6">
-                <a:extLst>
-                  <a:ext uri="{FF2B5EF4-FFF2-40B4-BE49-F238E27FC236}">
-                    <a16:creationId xmlns:a16="http://schemas.microsoft.com/office/drawing/2014/main" id="{5E9F6B29-21D4-902E-CB0C-A7B5D13B4B99}"/>
-                  </a:ext>
-                </a:extLst>
-              </p:cNvPr>
+              <p:cNvPr id="7" name="TextBox 6"/>
               <p:cNvSpPr txBox="1"/>
               <p:nvPr/>
             </p:nvSpPr>
             <p:spPr>
               <a:xfrm>
-                <a:off x="1522451" y="1986429"/>
-                <a:ext cx="906018" cy="400110"/>
+                <a:off x="1506520" y="1986429"/>
+                <a:ext cx="925830" cy="389741"/>
               </a:xfrm>
               <a:prstGeom prst="rect">
                 <a:avLst/>
@@ -11084,22 +11073,24 @@
               <a:noFill/>
             </p:spPr>
             <p:txBody>
-              <a:bodyPr wrap="none" rtlCol="0">
+              <a:bodyPr wrap="none">
                 <a:spAutoFit/>
               </a:bodyPr>
               <a:lstStyle/>
               <a:p>
-                <a:pPr algn="ctr"/>
+                <a:pPr algn="ctr">
+                  <a:defRPr/>
+                </a:pPr>
                 <a:r>
-                  <a:rPr lang="ko-KR" altLang="en-US" sz="2000" b="1" dirty="0" err="1" smtClean="0">
-                    <a:latin typeface="나눔고딕" panose="020D0604000000000000" pitchFamily="50" charset="-127"/>
-                    <a:ea typeface="나눔고딕" panose="020D0604000000000000" pitchFamily="50" charset="-127"/>
+                  <a:rPr lang="ko-KR" altLang="en-US" sz="2000" b="1">
+                    <a:latin typeface="나눔고딕"/>
+                    <a:ea typeface="나눔고딕"/>
                   </a:rPr>
                   <a:t>정용억</a:t>
                 </a:r>
-                <a:endParaRPr lang="ko-KR" altLang="en-US" sz="2000" b="1" dirty="0">
-                  <a:latin typeface="나눔고딕" panose="020D0604000000000000" pitchFamily="50" charset="-127"/>
-                  <a:ea typeface="나눔고딕" panose="020D0604000000000000" pitchFamily="50" charset="-127"/>
+                <a:endParaRPr lang="ko-KR" altLang="en-US" sz="2000" b="1">
+                  <a:latin typeface="나눔고딕"/>
+                  <a:ea typeface="나눔고딕"/>
                 </a:endParaRPr>
               </a:p>
             </p:txBody>
@@ -11112,7 +11103,7 @@
             <p:nvPr/>
           </p:nvGrpSpPr>
           <p:grpSpPr>
-            <a:xfrm>
+            <a:xfrm rot="0">
               <a:off x="2778514" y="1674606"/>
               <a:ext cx="2041453" cy="3508788"/>
               <a:chOff x="946239" y="1871456"/>
@@ -11121,13 +11112,7 @@
           </p:grpSpPr>
           <p:sp>
             <p:nvSpPr>
-              <p:cNvPr id="11" name="직사각형 10">
-                <a:extLst>
-                  <a:ext uri="{FF2B5EF4-FFF2-40B4-BE49-F238E27FC236}">
-                    <a16:creationId xmlns:a16="http://schemas.microsoft.com/office/drawing/2014/main" id="{DB5245B3-B384-79C4-C161-E9D251FD5D49}"/>
-                  </a:ext>
-                </a:extLst>
-              </p:cNvPr>
+              <p:cNvPr id="11" name="직사각형 10"/>
               <p:cNvSpPr/>
               <p:nvPr/>
             </p:nvSpPr>
@@ -11167,23 +11152,19 @@
               </a:fontRef>
             </p:style>
             <p:txBody>
-              <a:bodyPr rtlCol="0" anchor="ctr"/>
+              <a:bodyPr anchor="ctr"/>
               <a:lstStyle/>
               <a:p>
-                <a:pPr algn="ctr"/>
+                <a:pPr algn="ctr">
+                  <a:defRPr/>
+                </a:pPr>
                 <a:endParaRPr lang="ko-KR" altLang="en-US"/>
               </a:p>
             </p:txBody>
           </p:sp>
           <p:sp>
             <p:nvSpPr>
-              <p:cNvPr id="12" name="직사각형 11">
-                <a:extLst>
-                  <a:ext uri="{FF2B5EF4-FFF2-40B4-BE49-F238E27FC236}">
-                    <a16:creationId xmlns:a16="http://schemas.microsoft.com/office/drawing/2014/main" id="{5D460151-306C-6C52-951F-F62AF52AE571}"/>
-                  </a:ext>
-                </a:extLst>
-              </p:cNvPr>
+              <p:cNvPr id="12" name="직사각형 11"/>
               <p:cNvSpPr/>
               <p:nvPr/>
             </p:nvSpPr>
@@ -11224,36 +11205,32 @@
               </a:fontRef>
             </p:style>
             <p:txBody>
-              <a:bodyPr rtlCol="0" anchor="ctr"/>
+              <a:bodyPr anchor="ctr"/>
               <a:lstStyle/>
               <a:p>
-                <a:pPr algn="ctr"/>
+                <a:pPr algn="ctr">
+                  <a:defRPr/>
+                </a:pPr>
                 <a:endParaRPr lang="ko-KR" altLang="en-US" sz="2500" b="1">
                   <a:solidFill>
                     <a:schemeClr val="tx1"/>
                   </a:solidFill>
-                  <a:latin typeface="나눔고딕" panose="020D0604000000000000" pitchFamily="50" charset="-127"/>
-                  <a:ea typeface="나눔고딕" panose="020D0604000000000000" pitchFamily="50" charset="-127"/>
+                  <a:latin typeface="나눔고딕"/>
+                  <a:ea typeface="나눔고딕"/>
                 </a:endParaRPr>
               </a:p>
             </p:txBody>
           </p:sp>
           <p:sp>
             <p:nvSpPr>
-              <p:cNvPr id="13" name="TextBox 12">
-                <a:extLst>
-                  <a:ext uri="{FF2B5EF4-FFF2-40B4-BE49-F238E27FC236}">
-                    <a16:creationId xmlns:a16="http://schemas.microsoft.com/office/drawing/2014/main" id="{5E9F6B29-21D4-902E-CB0C-A7B5D13B4B99}"/>
-                  </a:ext>
-                </a:extLst>
-              </p:cNvPr>
+              <p:cNvPr id="13" name="TextBox 12"/>
               <p:cNvSpPr txBox="1"/>
               <p:nvPr/>
             </p:nvSpPr>
             <p:spPr>
               <a:xfrm>
-                <a:off x="1522450" y="1986429"/>
-                <a:ext cx="906018" cy="400110"/>
+                <a:off x="1505285" y="1986429"/>
+                <a:ext cx="925830" cy="389741"/>
               </a:xfrm>
               <a:prstGeom prst="rect">
                 <a:avLst/>
@@ -11261,22 +11238,24 @@
               <a:noFill/>
             </p:spPr>
             <p:txBody>
-              <a:bodyPr wrap="none" rtlCol="0">
+              <a:bodyPr wrap="none">
                 <a:spAutoFit/>
               </a:bodyPr>
               <a:lstStyle/>
               <a:p>
-                <a:pPr algn="ctr"/>
+                <a:pPr algn="ctr">
+                  <a:defRPr/>
+                </a:pPr>
                 <a:r>
-                  <a:rPr lang="ko-KR" altLang="en-US" sz="2000" b="1" dirty="0" err="1" smtClean="0">
-                    <a:latin typeface="나눔고딕" panose="020D0604000000000000" pitchFamily="50" charset="-127"/>
-                    <a:ea typeface="나눔고딕" panose="020D0604000000000000" pitchFamily="50" charset="-127"/>
+                  <a:rPr lang="ko-KR" altLang="en-US" sz="2000" b="1">
+                    <a:latin typeface="나눔고딕"/>
+                    <a:ea typeface="나눔고딕"/>
                   </a:rPr>
                   <a:t>이현오</a:t>
                 </a:r>
-                <a:endParaRPr lang="ko-KR" altLang="en-US" sz="2000" b="1" dirty="0">
-                  <a:latin typeface="나눔고딕" panose="020D0604000000000000" pitchFamily="50" charset="-127"/>
-                  <a:ea typeface="나눔고딕" panose="020D0604000000000000" pitchFamily="50" charset="-127"/>
+                <a:endParaRPr lang="ko-KR" altLang="en-US" sz="2000" b="1">
+                  <a:latin typeface="나눔고딕"/>
+                  <a:ea typeface="나눔고딕"/>
                 </a:endParaRPr>
               </a:p>
             </p:txBody>
@@ -11289,7 +11268,7 @@
             <p:nvPr/>
           </p:nvGrpSpPr>
           <p:grpSpPr>
-            <a:xfrm>
+            <a:xfrm rot="0">
               <a:off x="661031" y="1674606"/>
               <a:ext cx="8573171" cy="3508788"/>
               <a:chOff x="-3468006" y="1871456"/>
@@ -11298,13 +11277,7 @@
           </p:grpSpPr>
           <p:sp>
             <p:nvSpPr>
-              <p:cNvPr id="16" name="직사각형 15">
-                <a:extLst>
-                  <a:ext uri="{FF2B5EF4-FFF2-40B4-BE49-F238E27FC236}">
-                    <a16:creationId xmlns:a16="http://schemas.microsoft.com/office/drawing/2014/main" id="{DB5245B3-B384-79C4-C161-E9D251FD5D49}"/>
-                  </a:ext>
-                </a:extLst>
-              </p:cNvPr>
+              <p:cNvPr id="16" name="직사각형 15"/>
               <p:cNvSpPr/>
               <p:nvPr/>
             </p:nvSpPr>
@@ -11344,23 +11317,19 @@
               </a:fontRef>
             </p:style>
             <p:txBody>
-              <a:bodyPr rtlCol="0" anchor="ctr"/>
+              <a:bodyPr anchor="ctr"/>
               <a:lstStyle/>
               <a:p>
-                <a:pPr algn="ctr"/>
+                <a:pPr algn="ctr">
+                  <a:defRPr/>
+                </a:pPr>
                 <a:endParaRPr lang="ko-KR" altLang="en-US"/>
               </a:p>
             </p:txBody>
           </p:sp>
           <p:sp>
             <p:nvSpPr>
-              <p:cNvPr id="17" name="직사각형 16">
-                <a:extLst>
-                  <a:ext uri="{FF2B5EF4-FFF2-40B4-BE49-F238E27FC236}">
-                    <a16:creationId xmlns:a16="http://schemas.microsoft.com/office/drawing/2014/main" id="{5D460151-306C-6C52-951F-F62AF52AE571}"/>
-                  </a:ext>
-                </a:extLst>
-              </p:cNvPr>
+              <p:cNvPr id="17" name="직사각형 16"/>
               <p:cNvSpPr/>
               <p:nvPr/>
             </p:nvSpPr>
@@ -11401,36 +11370,32 @@
               </a:fontRef>
             </p:style>
             <p:txBody>
-              <a:bodyPr rtlCol="0" anchor="ctr"/>
+              <a:bodyPr anchor="ctr"/>
               <a:lstStyle/>
               <a:p>
-                <a:pPr algn="ctr"/>
+                <a:pPr algn="ctr">
+                  <a:defRPr/>
+                </a:pPr>
                 <a:endParaRPr lang="ko-KR" altLang="en-US" sz="2500" b="1">
                   <a:solidFill>
                     <a:schemeClr val="tx1"/>
                   </a:solidFill>
-                  <a:latin typeface="나눔고딕" panose="020D0604000000000000" pitchFamily="50" charset="-127"/>
-                  <a:ea typeface="나눔고딕" panose="020D0604000000000000" pitchFamily="50" charset="-127"/>
+                  <a:latin typeface="나눔고딕"/>
+                  <a:ea typeface="나눔고딕"/>
                 </a:endParaRPr>
               </a:p>
             </p:txBody>
           </p:sp>
           <p:sp>
             <p:nvSpPr>
-              <p:cNvPr id="18" name="TextBox 17">
-                <a:extLst>
-                  <a:ext uri="{FF2B5EF4-FFF2-40B4-BE49-F238E27FC236}">
-                    <a16:creationId xmlns:a16="http://schemas.microsoft.com/office/drawing/2014/main" id="{5E9F6B29-21D4-902E-CB0C-A7B5D13B4B99}"/>
-                  </a:ext>
-                </a:extLst>
-              </p:cNvPr>
+              <p:cNvPr id="18" name="TextBox 17"/>
               <p:cNvSpPr txBox="1"/>
               <p:nvPr/>
             </p:nvSpPr>
             <p:spPr>
               <a:xfrm>
-                <a:off x="1522451" y="1986429"/>
-                <a:ext cx="906018" cy="400110"/>
+                <a:off x="1504048" y="1986429"/>
+                <a:ext cx="925829" cy="389741"/>
               </a:xfrm>
               <a:prstGeom prst="rect">
                 <a:avLst/>
@@ -11438,42 +11403,38 @@
               <a:noFill/>
             </p:spPr>
             <p:txBody>
-              <a:bodyPr wrap="none" rtlCol="0">
+              <a:bodyPr wrap="none">
                 <a:spAutoFit/>
               </a:bodyPr>
               <a:lstStyle/>
               <a:p>
-                <a:pPr algn="ctr"/>
+                <a:pPr algn="ctr">
+                  <a:defRPr/>
+                </a:pPr>
                 <a:r>
-                  <a:rPr lang="ko-KR" altLang="en-US" sz="2000" b="1" dirty="0" smtClean="0">
-                    <a:latin typeface="나눔고딕" panose="020D0604000000000000" pitchFamily="50" charset="-127"/>
-                    <a:ea typeface="나눔고딕" panose="020D0604000000000000" pitchFamily="50" charset="-127"/>
+                  <a:rPr lang="ko-KR" altLang="en-US" sz="2000" b="1">
+                    <a:latin typeface="나눔고딕"/>
+                    <a:ea typeface="나눔고딕"/>
                   </a:rPr>
                   <a:t>장광수</a:t>
                 </a:r>
-                <a:endParaRPr lang="ko-KR" altLang="en-US" sz="2000" b="1" dirty="0">
-                  <a:latin typeface="나눔고딕" panose="020D0604000000000000" pitchFamily="50" charset="-127"/>
-                  <a:ea typeface="나눔고딕" panose="020D0604000000000000" pitchFamily="50" charset="-127"/>
+                <a:endParaRPr lang="ko-KR" altLang="en-US" sz="2000" b="1">
+                  <a:latin typeface="나눔고딕"/>
+                  <a:ea typeface="나눔고딕"/>
                 </a:endParaRPr>
               </a:p>
             </p:txBody>
           </p:sp>
           <p:sp>
             <p:nvSpPr>
-              <p:cNvPr id="19" name="TextBox 18">
-                <a:extLst>
-                  <a:ext uri="{FF2B5EF4-FFF2-40B4-BE49-F238E27FC236}">
-                    <a16:creationId xmlns:a16="http://schemas.microsoft.com/office/drawing/2014/main" id="{F0382E1D-F81B-3444-0A61-956392C05909}"/>
-                  </a:ext>
-                </a:extLst>
-              </p:cNvPr>
+              <p:cNvPr id="19" name="TextBox 18"/>
               <p:cNvSpPr txBox="1"/>
               <p:nvPr/>
             </p:nvSpPr>
             <p:spPr>
               <a:xfrm>
                 <a:off x="1134012" y="2769029"/>
-                <a:ext cx="1682895" cy="2031325"/>
+                <a:ext cx="1682895" cy="2007441"/>
               </a:xfrm>
               <a:prstGeom prst="rect">
                 <a:avLst/>
@@ -11481,7 +11442,7 @@
               <a:noFill/>
             </p:spPr>
             <p:txBody>
-              <a:bodyPr wrap="square" rtlCol="0">
+              <a:bodyPr wrap="square">
                 <a:spAutoFit/>
               </a:bodyPr>
               <a:lstStyle/>
@@ -11490,88 +11451,83 @@
                   <a:lnSpc>
                     <a:spcPct val="120000"/>
                   </a:lnSpc>
+                  <a:defRPr/>
                 </a:pPr>
                 <a:r>
-                  <a:rPr lang="ko-KR" altLang="en-US" sz="1500" spc="-150" dirty="0" smtClean="0">
+                  <a:rPr lang="ko-KR" altLang="en-US" sz="1500" b="0" spc="-150">
                     <a:solidFill>
                       <a:schemeClr val="tx1">
                         <a:lumMod val="75000"/>
                         <a:lumOff val="25000"/>
                       </a:schemeClr>
                     </a:solidFill>
-                    <a:latin typeface="나눔고딕" panose="020D0604000000000000" pitchFamily="50" charset="-127"/>
-                    <a:ea typeface="나눔고딕" panose="020D0604000000000000" pitchFamily="50" charset="-127"/>
+                    <a:latin typeface="나눔고딕"/>
+                    <a:ea typeface="나눔고딕"/>
                   </a:rPr>
                   <a:t>오라클 </a:t>
                 </a:r>
                 <a:r>
-                  <a:rPr lang="en-US" altLang="ko-KR" sz="1500" spc="-150" dirty="0" smtClean="0">
+                  <a:rPr lang="en-US" altLang="ko-KR" sz="1500" b="0" spc="-150">
                     <a:solidFill>
                       <a:schemeClr val="tx1">
                         <a:lumMod val="75000"/>
                         <a:lumOff val="25000"/>
                       </a:schemeClr>
                     </a:solidFill>
-                    <a:latin typeface="나눔고딕" panose="020D0604000000000000" pitchFamily="50" charset="-127"/>
-                    <a:ea typeface="나눔고딕" panose="020D0604000000000000" pitchFamily="50" charset="-127"/>
+                    <a:latin typeface="나눔고딕"/>
+                    <a:ea typeface="나눔고딕"/>
                   </a:rPr>
                   <a:t>SQL </a:t>
                 </a:r>
                 <a:r>
-                  <a:rPr lang="ko-KR" altLang="en-US" sz="1500" spc="-150" dirty="0" smtClean="0">
+                  <a:rPr lang="ko-KR" altLang="en-US" sz="1500" b="0" spc="-150">
                     <a:solidFill>
                       <a:schemeClr val="tx1">
                         <a:lumMod val="75000"/>
                         <a:lumOff val="25000"/>
                       </a:schemeClr>
                     </a:solidFill>
-                    <a:latin typeface="나눔고딕" panose="020D0604000000000000" pitchFamily="50" charset="-127"/>
-                    <a:ea typeface="나눔고딕" panose="020D0604000000000000" pitchFamily="50" charset="-127"/>
+                    <a:latin typeface="나눔고딕"/>
+                    <a:ea typeface="나눔고딕"/>
                   </a:rPr>
                   <a:t>프로그램을 이용하여 데이터 구조를 생성하는 것과 데이터 구분이 중요한 일 임을 깨달을 수 있는 프로젝트였다</a:t>
                 </a:r>
                 <a:r>
-                  <a:rPr lang="en-US" altLang="ko-KR" sz="1500" spc="-150" dirty="0" smtClean="0">
+                  <a:rPr lang="en-US" altLang="ko-KR" sz="1500" b="0" spc="-150">
                     <a:solidFill>
                       <a:schemeClr val="tx1">
                         <a:lumMod val="75000"/>
                         <a:lumOff val="25000"/>
                       </a:schemeClr>
                     </a:solidFill>
-                    <a:latin typeface="나눔고딕" panose="020D0604000000000000" pitchFamily="50" charset="-127"/>
-                    <a:ea typeface="나눔고딕" panose="020D0604000000000000" pitchFamily="50" charset="-127"/>
+                    <a:latin typeface="나눔고딕"/>
+                    <a:ea typeface="나눔고딕"/>
                   </a:rPr>
                   <a:t>.</a:t>
                 </a:r>
-                <a:endParaRPr lang="ko-KR" altLang="en-US" sz="1500" spc="-150" dirty="0">
+                <a:endParaRPr lang="ko-KR" altLang="en-US" sz="1500" b="0" spc="-150">
                   <a:solidFill>
                     <a:schemeClr val="tx1">
                       <a:lumMod val="75000"/>
                       <a:lumOff val="25000"/>
                     </a:schemeClr>
                   </a:solidFill>
-                  <a:latin typeface="나눔고딕" panose="020D0604000000000000" pitchFamily="50" charset="-127"/>
-                  <a:ea typeface="나눔고딕" panose="020D0604000000000000" pitchFamily="50" charset="-127"/>
+                  <a:latin typeface="나눔고딕"/>
+                  <a:ea typeface="나눔고딕"/>
                 </a:endParaRPr>
               </a:p>
             </p:txBody>
           </p:sp>
           <p:sp>
             <p:nvSpPr>
-              <p:cNvPr id="38" name="TextBox 37">
-                <a:extLst>
-                  <a:ext uri="{FF2B5EF4-FFF2-40B4-BE49-F238E27FC236}">
-                    <a16:creationId xmlns:a16="http://schemas.microsoft.com/office/drawing/2014/main" id="{F0382E1D-F81B-3444-0A61-956392C05909}"/>
-                  </a:ext>
-                </a:extLst>
-              </p:cNvPr>
+              <p:cNvPr id="38" name="TextBox 37"/>
               <p:cNvSpPr txBox="1"/>
               <p:nvPr/>
             </p:nvSpPr>
             <p:spPr>
               <a:xfrm>
                 <a:off x="-1171246" y="2769029"/>
-                <a:ext cx="1682895" cy="346249"/>
+                <a:ext cx="1682895" cy="359616"/>
               </a:xfrm>
               <a:prstGeom prst="rect">
                 <a:avLst/>
@@ -11579,7 +11535,7 @@
               <a:noFill/>
             </p:spPr>
             <p:txBody>
-              <a:bodyPr wrap="square" rtlCol="0">
+              <a:bodyPr wrap="square">
                 <a:spAutoFit/>
               </a:bodyPr>
               <a:lstStyle/>
@@ -11588,49 +11544,44 @@
                   <a:lnSpc>
                     <a:spcPct val="120000"/>
                   </a:lnSpc>
+                  <a:defRPr/>
                 </a:pPr>
                 <a:r>
-                  <a:rPr lang="ko-KR" altLang="en-US" sz="1500" spc="-150" dirty="0" err="1" smtClean="0">
+                  <a:rPr lang="ko-KR" altLang="en-US" sz="1500" b="0" spc="-150">
                     <a:solidFill>
                       <a:schemeClr val="tx1">
                         <a:lumMod val="75000"/>
                         <a:lumOff val="25000"/>
                       </a:schemeClr>
                     </a:solidFill>
-                    <a:latin typeface="나눔고딕" panose="020D0604000000000000" pitchFamily="50" charset="-127"/>
-                    <a:ea typeface="나눔고딕" panose="020D0604000000000000" pitchFamily="50" charset="-127"/>
+                    <a:latin typeface="나눔고딕"/>
+                    <a:ea typeface="나눔고딕"/>
                   </a:rPr>
                   <a:t>ㄹㄹ</a:t>
                 </a:r>
-                <a:endParaRPr lang="ko-KR" altLang="en-US" sz="1500" spc="-150" dirty="0">
+                <a:endParaRPr lang="ko-KR" altLang="en-US" sz="1500" b="0" spc="-150">
                   <a:solidFill>
                     <a:schemeClr val="tx1">
                       <a:lumMod val="75000"/>
                       <a:lumOff val="25000"/>
                     </a:schemeClr>
                   </a:solidFill>
-                  <a:latin typeface="나눔고딕" panose="020D0604000000000000" pitchFamily="50" charset="-127"/>
-                  <a:ea typeface="나눔고딕" panose="020D0604000000000000" pitchFamily="50" charset="-127"/>
+                  <a:latin typeface="나눔고딕"/>
+                  <a:ea typeface="나눔고딕"/>
                 </a:endParaRPr>
               </a:p>
             </p:txBody>
           </p:sp>
           <p:sp>
             <p:nvSpPr>
-              <p:cNvPr id="39" name="TextBox 38">
-                <a:extLst>
-                  <a:ext uri="{FF2B5EF4-FFF2-40B4-BE49-F238E27FC236}">
-                    <a16:creationId xmlns:a16="http://schemas.microsoft.com/office/drawing/2014/main" id="{F0382E1D-F81B-3444-0A61-956392C05909}"/>
-                  </a:ext>
-                </a:extLst>
-              </p:cNvPr>
+              <p:cNvPr id="39" name="TextBox 38"/>
               <p:cNvSpPr txBox="1"/>
               <p:nvPr/>
             </p:nvSpPr>
             <p:spPr>
               <a:xfrm>
                 <a:off x="-3468006" y="2769029"/>
-                <a:ext cx="1682895" cy="346249"/>
+                <a:ext cx="1682895" cy="359616"/>
               </a:xfrm>
               <a:prstGeom prst="rect">
                 <a:avLst/>
@@ -11638,7 +11589,7 @@
               <a:noFill/>
             </p:spPr>
             <p:txBody>
-              <a:bodyPr wrap="square" rtlCol="0">
+              <a:bodyPr wrap="square">
                 <a:spAutoFit/>
               </a:bodyPr>
               <a:lstStyle/>
@@ -11647,49 +11598,44 @@
                   <a:lnSpc>
                     <a:spcPct val="120000"/>
                   </a:lnSpc>
+                  <a:defRPr/>
                 </a:pPr>
                 <a:r>
-                  <a:rPr lang="ko-KR" altLang="en-US" sz="1500" spc="-150" dirty="0" err="1" smtClean="0">
+                  <a:rPr lang="ko-KR" altLang="en-US" sz="1500" b="0" spc="-150">
                     <a:solidFill>
                       <a:schemeClr val="tx1">
                         <a:lumMod val="75000"/>
                         <a:lumOff val="25000"/>
                       </a:schemeClr>
                     </a:solidFill>
-                    <a:latin typeface="나눔고딕" panose="020D0604000000000000" pitchFamily="50" charset="-127"/>
-                    <a:ea typeface="나눔고딕" panose="020D0604000000000000" pitchFamily="50" charset="-127"/>
+                    <a:latin typeface="나눔고딕"/>
+                    <a:ea typeface="나눔고딕"/>
                   </a:rPr>
                   <a:t>ㄹㄹ</a:t>
                 </a:r>
-                <a:endParaRPr lang="ko-KR" altLang="en-US" sz="1500" spc="-150" dirty="0">
+                <a:endParaRPr lang="ko-KR" altLang="en-US" sz="1500" b="0" spc="-150">
                   <a:solidFill>
                     <a:schemeClr val="tx1">
                       <a:lumMod val="75000"/>
                       <a:lumOff val="25000"/>
                     </a:schemeClr>
                   </a:solidFill>
-                  <a:latin typeface="나눔고딕" panose="020D0604000000000000" pitchFamily="50" charset="-127"/>
-                  <a:ea typeface="나눔고딕" panose="020D0604000000000000" pitchFamily="50" charset="-127"/>
+                  <a:latin typeface="나눔고딕"/>
+                  <a:ea typeface="나눔고딕"/>
                 </a:endParaRPr>
               </a:p>
             </p:txBody>
           </p:sp>
           <p:sp>
             <p:nvSpPr>
-              <p:cNvPr id="41" name="TextBox 40">
-                <a:extLst>
-                  <a:ext uri="{FF2B5EF4-FFF2-40B4-BE49-F238E27FC236}">
-                    <a16:creationId xmlns:a16="http://schemas.microsoft.com/office/drawing/2014/main" id="{F0382E1D-F81B-3444-0A61-956392C05909}"/>
-                  </a:ext>
-                </a:extLst>
-              </p:cNvPr>
+              <p:cNvPr id="41" name="TextBox 40"/>
               <p:cNvSpPr txBox="1"/>
               <p:nvPr/>
             </p:nvSpPr>
             <p:spPr>
               <a:xfrm>
-                <a:off x="3422270" y="2762700"/>
-                <a:ext cx="1682895" cy="2031325"/>
+                <a:off x="3422269" y="2762700"/>
+                <a:ext cx="1682896" cy="2013770"/>
               </a:xfrm>
               <a:prstGeom prst="rect">
                 <a:avLst/>
@@ -11697,7 +11643,7 @@
               <a:noFill/>
             </p:spPr>
             <p:txBody>
-              <a:bodyPr wrap="square" rtlCol="0">
+              <a:bodyPr wrap="square">
                 <a:spAutoFit/>
               </a:bodyPr>
               <a:lstStyle/>
@@ -11706,68 +11652,69 @@
                   <a:lnSpc>
                     <a:spcPct val="120000"/>
                   </a:lnSpc>
+                  <a:defRPr/>
                 </a:pPr>
                 <a:r>
-                  <a:rPr lang="ko-KR" altLang="en-US" sz="1500" spc="-150" dirty="0" smtClean="0">
+                  <a:rPr lang="ko-KR" altLang="en-US" sz="1500" b="0" spc="-150">
                     <a:solidFill>
                       <a:schemeClr val="tx1">
                         <a:lumMod val="75000"/>
                         <a:lumOff val="25000"/>
                       </a:schemeClr>
                     </a:solidFill>
-                    <a:latin typeface="나눔고딕" panose="020D0604000000000000" pitchFamily="50" charset="-127"/>
-                    <a:ea typeface="나눔고딕" panose="020D0604000000000000" pitchFamily="50" charset="-127"/>
+                    <a:latin typeface="나눔고딕"/>
+                    <a:ea typeface="나눔고딕"/>
                   </a:rPr>
                   <a:t>테이블 생성부터 시작해서  데이터 삽입하고</a:t>
                 </a:r>
                 <a:r>
-                  <a:rPr lang="en-US" altLang="ko-KR" sz="1500" spc="-150" dirty="0" smtClean="0">
+                  <a:rPr lang="en-US" altLang="ko-KR" sz="1500" b="0" spc="-150">
                     <a:solidFill>
                       <a:schemeClr val="tx1">
                         <a:lumMod val="75000"/>
                         <a:lumOff val="25000"/>
                       </a:schemeClr>
                     </a:solidFill>
-                    <a:latin typeface="나눔고딕" panose="020D0604000000000000" pitchFamily="50" charset="-127"/>
-                    <a:ea typeface="나눔고딕" panose="020D0604000000000000" pitchFamily="50" charset="-127"/>
+                    <a:latin typeface="나눔고딕"/>
+                    <a:ea typeface="나눔고딕"/>
                   </a:rPr>
                   <a:t>, </a:t>
                 </a:r>
                 <a:r>
-                  <a:rPr lang="ko-KR" altLang="en-US" sz="1500" spc="-150" dirty="0" smtClean="0">
+                  <a:rPr lang="ko-KR" altLang="en-US" sz="1500" b="0" spc="-150">
                     <a:solidFill>
                       <a:schemeClr val="tx1">
                         <a:lumMod val="75000"/>
                         <a:lumOff val="25000"/>
                       </a:schemeClr>
                     </a:solidFill>
-                    <a:latin typeface="나눔고딕" panose="020D0604000000000000" pitchFamily="50" charset="-127"/>
-                    <a:ea typeface="나눔고딕" panose="020D0604000000000000" pitchFamily="50" charset="-127"/>
+                    <a:latin typeface="나눔고딕"/>
+                    <a:ea typeface="나눔고딕"/>
                   </a:rPr>
                   <a:t>여러 기능들을 해보면서 데이터 베이스 구조에 대해 좀 더 알게 되어서 좋았습니다</a:t>
                 </a:r>
                 <a:r>
-                  <a:rPr lang="en-US" altLang="ko-KR" sz="1500" spc="-150" dirty="0" smtClean="0">
+                  <a:rPr lang="en-US" altLang="ko-KR" sz="1500" b="0" spc="-150">
                     <a:solidFill>
                       <a:schemeClr val="tx1">
                         <a:lumMod val="75000"/>
                         <a:lumOff val="25000"/>
                       </a:schemeClr>
                     </a:solidFill>
-                    <a:latin typeface="나눔고딕" panose="020D0604000000000000" pitchFamily="50" charset="-127"/>
-                    <a:ea typeface="나눔고딕" panose="020D0604000000000000" pitchFamily="50" charset="-127"/>
+                    <a:latin typeface="나눔고딕"/>
+                    <a:ea typeface="나눔고딕"/>
                   </a:rPr>
                   <a:t>!</a:t>
                 </a:r>
-                <a:endParaRPr lang="ko-KR" altLang="en-US" sz="1500" spc="-150" dirty="0">
+                <a:endParaRPr lang="ko-KR" altLang="en-US" sz="1500" b="0" spc="-150">
                   <a:solidFill>
                     <a:schemeClr val="tx1">
                       <a:lumMod val="75000"/>
                       <a:lumOff val="25000"/>
                     </a:schemeClr>
                   </a:solidFill>
-                  <a:latin typeface="나눔고딕" panose="020D0604000000000000" pitchFamily="50" charset="-127"/>
-                  <a:ea typeface="나눔고딕" panose="020D0604000000000000" pitchFamily="50" charset="-127"/>
+                  <a:latin typeface="나눔고딕"/>
+                  <a:ea typeface="나눔고딕"/>
                 </a:endParaRPr>
               </a:p>
             </p:txBody>
@@ -11780,8 +11727,8 @@
             <p:nvPr/>
           </p:nvGrpSpPr>
           <p:grpSpPr>
-            <a:xfrm>
-              <a:off x="9665879" y="1674607"/>
+            <a:xfrm rot="0">
+              <a:off x="9665880" y="1674607"/>
               <a:ext cx="2041453" cy="3508788"/>
               <a:chOff x="946239" y="1871456"/>
               <a:chExt cx="2041453" cy="3508788"/>
@@ -11789,13 +11736,7 @@
           </p:grpSpPr>
           <p:sp>
             <p:nvSpPr>
-              <p:cNvPr id="33" name="직사각형 32">
-                <a:extLst>
-                  <a:ext uri="{FF2B5EF4-FFF2-40B4-BE49-F238E27FC236}">
-                    <a16:creationId xmlns:a16="http://schemas.microsoft.com/office/drawing/2014/main" id="{DB5245B3-B384-79C4-C161-E9D251FD5D49}"/>
-                  </a:ext>
-                </a:extLst>
-              </p:cNvPr>
+              <p:cNvPr id="33" name="직사각형 32"/>
               <p:cNvSpPr/>
               <p:nvPr/>
             </p:nvSpPr>
@@ -11835,23 +11776,19 @@
               </a:fontRef>
             </p:style>
             <p:txBody>
-              <a:bodyPr rtlCol="0" anchor="ctr"/>
+              <a:bodyPr anchor="ctr"/>
               <a:lstStyle/>
               <a:p>
-                <a:pPr algn="ctr"/>
+                <a:pPr algn="ctr">
+                  <a:defRPr/>
+                </a:pPr>
                 <a:endParaRPr lang="ko-KR" altLang="en-US"/>
               </a:p>
             </p:txBody>
           </p:sp>
           <p:sp>
             <p:nvSpPr>
-              <p:cNvPr id="34" name="직사각형 33">
-                <a:extLst>
-                  <a:ext uri="{FF2B5EF4-FFF2-40B4-BE49-F238E27FC236}">
-                    <a16:creationId xmlns:a16="http://schemas.microsoft.com/office/drawing/2014/main" id="{5D460151-306C-6C52-951F-F62AF52AE571}"/>
-                  </a:ext>
-                </a:extLst>
-              </p:cNvPr>
+              <p:cNvPr id="34" name="직사각형 33"/>
               <p:cNvSpPr/>
               <p:nvPr/>
             </p:nvSpPr>
@@ -11892,36 +11829,32 @@
               </a:fontRef>
             </p:style>
             <p:txBody>
-              <a:bodyPr rtlCol="0" anchor="ctr"/>
+              <a:bodyPr anchor="ctr"/>
               <a:lstStyle/>
               <a:p>
-                <a:pPr algn="ctr"/>
+                <a:pPr algn="ctr">
+                  <a:defRPr/>
+                </a:pPr>
                 <a:endParaRPr lang="ko-KR" altLang="en-US" sz="2500" b="1">
                   <a:solidFill>
                     <a:schemeClr val="tx1"/>
                   </a:solidFill>
-                  <a:latin typeface="나눔고딕" panose="020D0604000000000000" pitchFamily="50" charset="-127"/>
-                  <a:ea typeface="나눔고딕" panose="020D0604000000000000" pitchFamily="50" charset="-127"/>
+                  <a:latin typeface="나눔고딕"/>
+                  <a:ea typeface="나눔고딕"/>
                 </a:endParaRPr>
               </a:p>
             </p:txBody>
           </p:sp>
           <p:sp>
             <p:nvSpPr>
-              <p:cNvPr id="35" name="TextBox 34">
-                <a:extLst>
-                  <a:ext uri="{FF2B5EF4-FFF2-40B4-BE49-F238E27FC236}">
-                    <a16:creationId xmlns:a16="http://schemas.microsoft.com/office/drawing/2014/main" id="{5E9F6B29-21D4-902E-CB0C-A7B5D13B4B99}"/>
-                  </a:ext>
-                </a:extLst>
-              </p:cNvPr>
+              <p:cNvPr id="35" name="TextBox 34"/>
               <p:cNvSpPr txBox="1"/>
               <p:nvPr/>
             </p:nvSpPr>
             <p:spPr>
               <a:xfrm>
-                <a:off x="1522451" y="1986429"/>
-                <a:ext cx="906018" cy="400110"/>
+                <a:off x="1504494" y="1986429"/>
+                <a:ext cx="925830" cy="389740"/>
               </a:xfrm>
               <a:prstGeom prst="rect">
                 <a:avLst/>
@@ -11929,22 +11862,24 @@
               <a:noFill/>
             </p:spPr>
             <p:txBody>
-              <a:bodyPr wrap="none" rtlCol="0">
+              <a:bodyPr wrap="none">
                 <a:spAutoFit/>
               </a:bodyPr>
               <a:lstStyle/>
               <a:p>
-                <a:pPr algn="ctr"/>
+                <a:pPr algn="ctr">
+                  <a:defRPr/>
+                </a:pPr>
                 <a:r>
-                  <a:rPr lang="ko-KR" altLang="en-US" sz="2000" b="1" dirty="0" err="1" smtClean="0">
-                    <a:latin typeface="나눔고딕" panose="020D0604000000000000" pitchFamily="50" charset="-127"/>
-                    <a:ea typeface="나눔고딕" panose="020D0604000000000000" pitchFamily="50" charset="-127"/>
+                  <a:rPr lang="ko-KR" altLang="en-US" sz="2000" b="1">
+                    <a:latin typeface="나눔고딕"/>
+                    <a:ea typeface="나눔고딕"/>
                   </a:rPr>
                   <a:t>최효정</a:t>
                 </a:r>
-                <a:endParaRPr lang="ko-KR" altLang="en-US" sz="2000" b="1" dirty="0">
-                  <a:latin typeface="나눔고딕" panose="020D0604000000000000" pitchFamily="50" charset="-127"/>
-                  <a:ea typeface="나눔고딕" panose="020D0604000000000000" pitchFamily="50" charset="-127"/>
+                <a:endParaRPr lang="ko-KR" altLang="en-US" sz="2000" b="1">
+                  <a:latin typeface="나눔고딕"/>
+                  <a:ea typeface="나눔고딕"/>
                 </a:endParaRPr>
               </a:p>
             </p:txBody>
@@ -11959,7 +11894,7 @@
           <p:spPr>
             <a:xfrm>
               <a:off x="9845528" y="2592097"/>
-              <a:ext cx="1682151" cy="346249"/>
+              <a:ext cx="1682151" cy="2006573"/>
             </a:xfrm>
             <a:prstGeom prst="rect">
               <a:avLst/>
@@ -11967,7 +11902,7 @@
             <a:noFill/>
           </p:spPr>
           <p:txBody>
-            <a:bodyPr wrap="square" rtlCol="0">
+            <a:bodyPr wrap="square">
               <a:spAutoFit/>
             </a:bodyPr>
             <a:lstStyle/>
@@ -11976,49 +11911,58 @@
                 <a:lnSpc>
                   <a:spcPct val="120000"/>
                 </a:lnSpc>
+                <a:defRPr/>
               </a:pPr>
               <a:r>
-                <a:rPr lang="ko-KR" altLang="en-US" sz="1500" spc="-150" dirty="0" err="1" smtClean="0">
+                <a:rPr lang="ko-KR" altLang="en-US" sz="1500" b="0" spc="-150">
                   <a:solidFill>
                     <a:schemeClr val="tx1">
                       <a:lumMod val="75000"/>
                       <a:lumOff val="25000"/>
                     </a:schemeClr>
                   </a:solidFill>
-                  <a:latin typeface="나눔고딕" panose="020D0604000000000000" pitchFamily="50" charset="-127"/>
-                  <a:ea typeface="나눔고딕" panose="020D0604000000000000" pitchFamily="50" charset="-127"/>
+                  <a:latin typeface="나눔고딕"/>
+                  <a:ea typeface="나눔고딕"/>
                 </a:rPr>
-                <a:t>ㄹㄹ</a:t>
+                <a:t>데이터를 데이터베이스에 저장함으로써 데이터를 더 효율적으로 관리할 수 있다는 점을 다시한번 상기하는 계기가 되었다</a:t>
               </a:r>
-              <a:endParaRPr lang="ko-KR" altLang="en-US" sz="1500" spc="-150" dirty="0">
+              <a:r>
+                <a:rPr lang="en-US" altLang="ko-KR" sz="1500" b="0" spc="-150">
+                  <a:solidFill>
+                    <a:schemeClr val="tx1">
+                      <a:lumMod val="75000"/>
+                      <a:lumOff val="25000"/>
+                    </a:schemeClr>
+                  </a:solidFill>
+                  <a:latin typeface="나눔고딕"/>
+                  <a:ea typeface="나눔고딕"/>
+                </a:rPr>
+                <a:t>.</a:t>
+              </a:r>
+              <a:endParaRPr lang="en-US" altLang="ko-KR" sz="1500" b="0" spc="-150">
                 <a:solidFill>
                   <a:schemeClr val="tx1">
                     <a:lumMod val="75000"/>
                     <a:lumOff val="25000"/>
                   </a:schemeClr>
                 </a:solidFill>
-                <a:latin typeface="나눔고딕" panose="020D0604000000000000" pitchFamily="50" charset="-127"/>
-                <a:ea typeface="나눔고딕" panose="020D0604000000000000" pitchFamily="50" charset="-127"/>
+                <a:latin typeface="나눔고딕"/>
+                <a:ea typeface="나눔고딕"/>
               </a:endParaRPr>
             </a:p>
           </p:txBody>
         </p:sp>
       </p:grpSp>
     </p:spTree>
-    <p:extLst>
-      <p:ext uri="{BB962C8B-B14F-4D97-AF65-F5344CB8AC3E}">
-        <p14:creationId xmlns:p14="http://schemas.microsoft.com/office/powerpoint/2010/main" val="649400397"/>
-      </p:ext>
-    </p:extLst>
   </p:cSld>
   <p:clrMapOvr>
     <a:masterClrMapping/>
   </p:clrMapOvr>
-  <mc:AlternateContent xmlns:mc="http://schemas.openxmlformats.org/markup-compatibility/2006" xmlns:p14="http://schemas.microsoft.com/office/powerpoint/2010/main">
-    <mc:Choice Requires="p14">
-      <p:transition p14:dur="0"/>
+  <mc:AlternateContent xmlns:mc="http://schemas.openxmlformats.org/markup-compatibility/2006">
+    <mc:Choice xmlns:p14="http://schemas.microsoft.com/office/powerpoint/2010/main" Requires="p14">
+      <p:transition xmlns:mc="http://schemas.openxmlformats.org/markup-compatibility/2006" xmlns:p14="http://schemas.microsoft.com/office/powerpoint/2010/main" mc:Ignorable="p14" p14:dur="0"/>
     </mc:Choice>
-    <mc:Fallback xmlns="">
+    <mc:Fallback>
       <p:transition/>
     </mc:Fallback>
   </mc:AlternateContent>
@@ -15216,38 +15160,38 @@
 </file>
 
 <file path=ppt/theme/theme1.xml><?xml version="1.0" encoding="utf-8"?>
-<a:theme xmlns:a="http://schemas.openxmlformats.org/drawingml/2006/main" name="Office 테마">
+<a:theme xmlns:r="http://schemas.openxmlformats.org/officeDocument/2006/relationships" xmlns:c="http://schemas.openxmlformats.org/drawingml/2006/chart" xmlns:dgm="http://schemas.openxmlformats.org/drawingml/2006/diagram" xmlns:dsp="http://schemas.microsoft.com/office/drawing/2008/diagram" xmlns:a="http://schemas.openxmlformats.org/drawingml/2006/main" xmlns:pic="http://schemas.openxmlformats.org/drawingml/2006/picture" xmlns:wp="http://schemas.openxmlformats.org/drawingml/2006/wordprocessingDrawing" xmlns:xdr="http://schemas.openxmlformats.org/drawingml/2006/spreadsheetDrawing" name="Office 테마">
   <a:themeElements>
     <a:clrScheme name="189">
       <a:dk1>
         <a:sysClr val="windowText" lastClr="000000"/>
       </a:dk1>
       <a:lt1>
-        <a:sysClr val="window" lastClr="FFFFFF"/>
+        <a:sysClr val="window" lastClr="ffffff"/>
       </a:lt1>
       <a:dk2>
-        <a:srgbClr val="44546A"/>
+        <a:srgbClr val="44546a"/>
       </a:dk2>
       <a:lt2>
-        <a:srgbClr val="E7E6E6"/>
+        <a:srgbClr val="e7e6e6"/>
       </a:lt2>
       <a:accent1>
-        <a:srgbClr val="05264E"/>
+        <a:srgbClr val="05264e"/>
       </a:accent1>
       <a:accent2>
-        <a:srgbClr val="3F668F"/>
+        <a:srgbClr val="3f668f"/>
       </a:accent2>
       <a:accent3>
-        <a:srgbClr val="4A7ECA"/>
+        <a:srgbClr val="4a7eca"/>
       </a:accent3>
       <a:accent4>
-        <a:srgbClr val="B28659"/>
+        <a:srgbClr val="b28659"/>
       </a:accent4>
       <a:accent5>
-        <a:srgbClr val="FDC467"/>
+        <a:srgbClr val="fdc467"/>
       </a:accent5>
       <a:accent6>
-        <a:srgbClr val="E5D8C9"/>
+        <a:srgbClr val="e5d8c9"/>
       </a:accent6>
       <a:hlink>
         <a:srgbClr val="262626"/>
@@ -15332,21 +15276,21 @@
             <a:schemeClr val="phClr"/>
           </a:solidFill>
           <a:prstDash val="solid"/>
-          <a:miter lim="800000"/>
+          <a:miter/>
         </a:ln>
         <a:ln w="12700" cap="flat" cmpd="sng" algn="ctr">
           <a:solidFill>
             <a:schemeClr val="phClr"/>
           </a:solidFill>
           <a:prstDash val="solid"/>
-          <a:miter lim="800000"/>
+          <a:miter/>
         </a:ln>
         <a:ln w="19050" cap="flat" cmpd="sng" algn="ctr">
           <a:solidFill>
             <a:schemeClr val="phClr"/>
           </a:solidFill>
           <a:prstDash val="solid"/>
-          <a:miter lim="800000"/>
+          <a:miter/>
         </a:ln>
       </a:lnStyleLst>
       <a:effectStyleLst>
@@ -15436,63 +15380,81 @@
         </a:fontRef>
       </a:style>
     </a:spDef>
+    <a:lnDef>
+      <a:spPr/>
+      <a:bodyPr/>
+      <a:lstStyle/>
+      <a:style>
+        <a:lnRef idx="1">
+          <a:schemeClr val="accent1"/>
+        </a:lnRef>
+        <a:fillRef idx="0">
+          <a:schemeClr val="accent1"/>
+        </a:fillRef>
+        <a:effectRef idx="0">
+          <a:schemeClr val="accent1"/>
+        </a:effectRef>
+        <a:fontRef idx="minor">
+          <a:schemeClr val="tx1"/>
+        </a:fontRef>
+      </a:style>
+    </a:lnDef>
+    <a:txDef>
+      <a:spPr/>
+      <a:bodyPr/>
+      <a:lstStyle/>
+    </a:txDef>
   </a:objectDefaults>
-  <a:extraClrSchemeLst/>
-  <a:extLst>
-    <a:ext uri="{05A4C25C-085E-4340-85A3-A5531E510DB2}">
-      <thm15:themeFamily xmlns:thm15="http://schemas.microsoft.com/office/thememl/2012/main" name="Office Theme" id="{62F939B6-93AF-4DB8-9C6B-D6C7DFDC589F}" vid="{4A3C46E8-61CC-4603-A589-7422A47A8E4A}"/>
-    </a:ext>
-  </a:extLst>
 </a:theme>
 </file>
 
 <file path=ppt/theme/theme2.xml><?xml version="1.0" encoding="utf-8"?>
-<a:theme xmlns:a="http://schemas.openxmlformats.org/drawingml/2006/main" name="Office 테마">
+<a:theme xmlns:r="http://schemas.openxmlformats.org/officeDocument/2006/relationships" xmlns:c="http://schemas.openxmlformats.org/drawingml/2006/chart" xmlns:dgm="http://schemas.openxmlformats.org/drawingml/2006/diagram" xmlns:dsp="http://schemas.microsoft.com/office/drawing/2008/diagram" xmlns:a="http://schemas.openxmlformats.org/drawingml/2006/main" xmlns:pic="http://schemas.openxmlformats.org/drawingml/2006/picture" xmlns:wp="http://schemas.openxmlformats.org/drawingml/2006/wordprocessingDrawing" xmlns:xdr="http://schemas.openxmlformats.org/drawingml/2006/spreadsheetDrawing" name="Office 테마">
   <a:themeElements>
     <a:clrScheme name="Office">
       <a:dk1>
         <a:sysClr val="windowText" lastClr="000000"/>
       </a:dk1>
       <a:lt1>
-        <a:sysClr val="window" lastClr="FFFFFF"/>
+        <a:sysClr val="window" lastClr="ffffff"/>
       </a:lt1>
       <a:dk2>
-        <a:srgbClr val="44546A"/>
+        <a:srgbClr val="44546a"/>
       </a:dk2>
       <a:lt2>
-        <a:srgbClr val="E7E6E6"/>
+        <a:srgbClr val="e7e6e6"/>
       </a:lt2>
       <a:accent1>
-        <a:srgbClr val="5B9BD5"/>
+        <a:srgbClr val="5b9bd5"/>
       </a:accent1>
       <a:accent2>
-        <a:srgbClr val="ED7D31"/>
+        <a:srgbClr val="ed7d31"/>
       </a:accent2>
       <a:accent3>
-        <a:srgbClr val="A5A5A5"/>
+        <a:srgbClr val="a5a5a5"/>
       </a:accent3>
       <a:accent4>
-        <a:srgbClr val="FFC000"/>
+        <a:srgbClr val="ffc000"/>
       </a:accent4>
       <a:accent5>
-        <a:srgbClr val="4472C4"/>
+        <a:srgbClr val="4472c4"/>
       </a:accent5>
       <a:accent6>
-        <a:srgbClr val="70AD47"/>
+        <a:srgbClr val="70ad47"/>
       </a:accent6>
       <a:hlink>
-        <a:srgbClr val="0563C1"/>
+        <a:srgbClr val="0563c1"/>
       </a:hlink>
       <a:folHlink>
-        <a:srgbClr val="954F72"/>
+        <a:srgbClr val="954f72"/>
       </a:folHlink>
     </a:clrScheme>
     <a:fontScheme name="Office">
       <a:majorFont>
-        <a:latin typeface="맑은 고딕" panose="020F0302020204030204"/>
+        <a:latin typeface="맑은 고딕" panose="20"/>
         <a:ea typeface=""/>
         <a:cs typeface=""/>
-        <a:font script="Jpan" typeface="游ゴシック Light"/>
+        <a:font script="Jpan" typeface="Yu Gothic Light"/>
         <a:font script="Hang" typeface="맑은 고딕"/>
         <a:font script="Hans" typeface="等线 Light"/>
         <a:font script="Hant" typeface="新細明體"/>
@@ -15524,10 +15486,10 @@
         <a:font script="Geor" typeface="Sylfaen"/>
       </a:majorFont>
       <a:minorFont>
-        <a:latin typeface="맑은 고딕" panose="020F0502020204030204"/>
+        <a:latin typeface="맑은 고딕" panose="20"/>
         <a:ea typeface=""/>
         <a:cs typeface=""/>
-        <a:font script="Jpan" typeface="游ゴシック"/>
+        <a:font script="Jpan" typeface="Yu Gothic"/>
         <a:font script="Hang" typeface="맑은 고딕"/>
         <a:font script="Hans" typeface="等线"/>
         <a:font script="Hant" typeface="新細明體"/>
@@ -15623,21 +15585,21 @@
             <a:schemeClr val="phClr"/>
           </a:solidFill>
           <a:prstDash val="solid"/>
-          <a:miter lim="800000"/>
+          <a:miter/>
         </a:ln>
         <a:ln w="12700" cap="flat" cmpd="sng" algn="ctr">
           <a:solidFill>
             <a:schemeClr val="phClr"/>
           </a:solidFill>
           <a:prstDash val="solid"/>
-          <a:miter lim="800000"/>
+          <a:miter/>
         </a:ln>
         <a:ln w="19050" cap="flat" cmpd="sng" algn="ctr">
           <a:solidFill>
             <a:schemeClr val="phClr"/>
           </a:solidFill>
           <a:prstDash val="solid"/>
-          <a:miter lim="800000"/>
+          <a:miter/>
         </a:ln>
       </a:lnStyleLst>
       <a:effectStyleLst>
@@ -15697,12 +15659,5 @@
       </a:bgFillStyleLst>
     </a:fmtScheme>
   </a:themeElements>
-  <a:objectDefaults/>
-  <a:extraClrSchemeLst/>
-  <a:extLst>
-    <a:ext uri="{05A4C25C-085E-4340-85A3-A5531E510DB2}">
-      <thm15:themeFamily xmlns:thm15="http://schemas.microsoft.com/office/thememl/2012/main" name="Office Theme" id="{62F939B6-93AF-4DB8-9C6B-D6C7DFDC589F}" vid="{4A3C46E8-61CC-4603-A589-7422A47A8E4A}"/>
-    </a:ext>
-  </a:extLst>
 </a:theme>
 </file>
--- a/PPT템플릿/오라클(편의점).pptx
+++ b/PPT템플릿/오라클(편의점).pptx
@@ -1,36 +1,36 @@
 
 <file path=ppt/presentation.xml><?xml version="1.0" encoding="utf-8"?>
-<p:presentation xmlns:r="http://schemas.openxmlformats.org/officeDocument/2006/relationships" xmlns:c="http://schemas.openxmlformats.org/drawingml/2006/chart" xmlns:a="http://schemas.openxmlformats.org/drawingml/2006/main" xmlns:dgm="http://schemas.openxmlformats.org/drawingml/2006/diagram" xmlns:dsp="http://schemas.microsoft.com/office/drawing/2008/diagram" xmlns:p="http://schemas.openxmlformats.org/presentationml/2006/main" saveSubsetFonts="1">
+<p:presentation xmlns:a="http://schemas.openxmlformats.org/drawingml/2006/main" xmlns:r="http://schemas.openxmlformats.org/officeDocument/2006/relationships" xmlns:p="http://schemas.openxmlformats.org/presentationml/2006/main" saveSubsetFonts="1">
   <p:sldMasterIdLst>
     <p:sldMasterId id="2147483662" r:id="rId1"/>
   </p:sldMasterIdLst>
   <p:notesMasterIdLst>
-    <p:notesMasterId r:id="rId2"/>
+    <p:notesMasterId r:id="rId25"/>
   </p:notesMasterIdLst>
   <p:sldIdLst>
-    <p:sldId id="256" r:id="rId3"/>
-    <p:sldId id="257" r:id="rId4"/>
-    <p:sldId id="258" r:id="rId5"/>
-    <p:sldId id="259" r:id="rId6"/>
-    <p:sldId id="260" r:id="rId7"/>
-    <p:sldId id="261" r:id="rId8"/>
-    <p:sldId id="262" r:id="rId9"/>
-    <p:sldId id="263" r:id="rId10"/>
-    <p:sldId id="264" r:id="rId11"/>
-    <p:sldId id="265" r:id="rId12"/>
-    <p:sldId id="266" r:id="rId13"/>
-    <p:sldId id="267" r:id="rId14"/>
-    <p:sldId id="268" r:id="rId15"/>
-    <p:sldId id="269" r:id="rId16"/>
-    <p:sldId id="270" r:id="rId17"/>
-    <p:sldId id="271" r:id="rId18"/>
-    <p:sldId id="272" r:id="rId19"/>
-    <p:sldId id="273" r:id="rId20"/>
-    <p:sldId id="274" r:id="rId21"/>
-    <p:sldId id="275" r:id="rId22"/>
-    <p:sldId id="276" r:id="rId23"/>
-    <p:sldId id="277" r:id="rId24"/>
-    <p:sldId id="278" r:id="rId25"/>
+    <p:sldId id="256" r:id="rId2"/>
+    <p:sldId id="257" r:id="rId3"/>
+    <p:sldId id="258" r:id="rId4"/>
+    <p:sldId id="259" r:id="rId5"/>
+    <p:sldId id="260" r:id="rId6"/>
+    <p:sldId id="261" r:id="rId7"/>
+    <p:sldId id="262" r:id="rId8"/>
+    <p:sldId id="263" r:id="rId9"/>
+    <p:sldId id="264" r:id="rId10"/>
+    <p:sldId id="265" r:id="rId11"/>
+    <p:sldId id="266" r:id="rId12"/>
+    <p:sldId id="267" r:id="rId13"/>
+    <p:sldId id="268" r:id="rId14"/>
+    <p:sldId id="269" r:id="rId15"/>
+    <p:sldId id="270" r:id="rId16"/>
+    <p:sldId id="271" r:id="rId17"/>
+    <p:sldId id="272" r:id="rId18"/>
+    <p:sldId id="273" r:id="rId19"/>
+    <p:sldId id="274" r:id="rId20"/>
+    <p:sldId id="275" r:id="rId21"/>
+    <p:sldId id="276" r:id="rId22"/>
+    <p:sldId id="277" r:id="rId23"/>
+    <p:sldId id="278" r:id="rId24"/>
   </p:sldIdLst>
   <p:sldSz cx="12192000" cy="6858000"/>
   <p:notesSz cx="6858000" cy="9144000"/>
@@ -129,11 +129,30 @@
       </a:defRPr>
     </a:lvl9pPr>
   </p:defaultTextStyle>
+  <p:extLst>
+    <p:ext uri="{EFAFB233-063F-42B5-8137-9DF3F51BA10A}">
+      <p15:sldGuideLst xmlns:p15="http://schemas.microsoft.com/office/powerpoint/2012/main">
+        <p15:guide id="1" orient="horz" pos="2159">
+          <p15:clr>
+            <a:srgbClr val="A4A3A4"/>
+          </p15:clr>
+        </p15:guide>
+        <p15:guide id="2" pos="3840">
+          <p15:clr>
+            <a:srgbClr val="A4A3A4"/>
+          </p15:clr>
+        </p15:guide>
+      </p15:sldGuideLst>
+    </p:ext>
+    <p:ext uri="{2D200454-40CA-4A62-9FC3-DE9A4176ACB9}">
+      <p15:notesGuideLst xmlns:p15="http://schemas.microsoft.com/office/powerpoint/2012/main"/>
+    </p:ext>
+  </p:extLst>
 </p:presentation>
 </file>
 
 <file path=ppt/notesMasters/notesMaster1.xml><?xml version="1.0" encoding="utf-8"?>
-<p:notesMaster xmlns:r="http://schemas.openxmlformats.org/officeDocument/2006/relationships" xmlns:c="http://schemas.openxmlformats.org/drawingml/2006/chart" xmlns:a="http://schemas.openxmlformats.org/drawingml/2006/main" xmlns:dgm="http://schemas.openxmlformats.org/drawingml/2006/diagram" xmlns:dsp="http://schemas.microsoft.com/office/drawing/2008/diagram" xmlns:p="http://schemas.openxmlformats.org/presentationml/2006/main">
+<p:notesMaster xmlns:a="http://schemas.openxmlformats.org/drawingml/2006/main" xmlns:r="http://schemas.openxmlformats.org/officeDocument/2006/relationships" xmlns:p="http://schemas.openxmlformats.org/presentationml/2006/main">
   <p:cSld>
     <p:bg>
       <p:bgRef idx="1001">
@@ -161,7 +180,7 @@
             <a:spLocks noGrp="1"/>
           </p:cNvSpPr>
           <p:nvPr>
-            <p:ph type="hdr" sz="quarter" idx="0"/>
+            <p:ph type="hdr" sz="quarter"/>
           </p:nvPr>
         </p:nvSpPr>
         <p:spPr>
@@ -184,10 +203,6 @@
             <a:pPr lvl="0">
               <a:defRPr/>
             </a:pPr>
-            <a:r>
-              <a:rPr lang="ko-KR" altLang="en-US"/>
-              <a:t/>
-            </a:r>
             <a:endParaRPr lang="ko-KR" altLang="en-US"/>
           </a:p>
         </p:txBody>
@@ -227,7 +242,7 @@
               <a:pPr lvl="0">
                 <a:defRPr/>
               </a:pPr>
-              <a:t>2023-10-23</a:t>
+              <a:t>2023-10-24</a:t>
             </a:fld>
             <a:endParaRPr lang="ko-KR" altLang="en-US"/>
           </a:p>
@@ -299,7 +314,6 @@
               <a:rPr lang="ko-KR" altLang="en-US"/>
               <a:t>마스터 텍스트 스타일 편집</a:t>
             </a:r>
-            <a:endParaRPr lang="ko-KR" altLang="en-US"/>
           </a:p>
           <a:p>
             <a:pPr lvl="1">
@@ -309,7 +323,6 @@
               <a:rPr lang="ko-KR" altLang="en-US"/>
               <a:t>둘째 수준</a:t>
             </a:r>
-            <a:endParaRPr lang="ko-KR" altLang="en-US"/>
           </a:p>
           <a:p>
             <a:pPr lvl="2">
@@ -319,7 +332,6 @@
               <a:rPr lang="ko-KR" altLang="en-US"/>
               <a:t>셋째 수준</a:t>
             </a:r>
-            <a:endParaRPr lang="ko-KR" altLang="en-US"/>
           </a:p>
           <a:p>
             <a:pPr lvl="3">
@@ -329,7 +341,6 @@
               <a:rPr lang="ko-KR" altLang="en-US"/>
               <a:t>넷째 수준</a:t>
             </a:r>
-            <a:endParaRPr lang="ko-KR" altLang="en-US"/>
           </a:p>
           <a:p>
             <a:pPr lvl="4">
@@ -339,7 +350,6 @@
               <a:rPr lang="ko-KR" altLang="en-US"/>
               <a:t>다섯째 수준</a:t>
             </a:r>
-            <a:endParaRPr lang="ko-KR" altLang="en-US"/>
           </a:p>
         </p:txBody>
       </p:sp>
@@ -373,10 +383,6 @@
             <a:pPr lvl="0">
               <a:defRPr/>
             </a:pPr>
-            <a:r>
-              <a:rPr lang="ko-KR" altLang="en-US"/>
-              <a:t/>
-            </a:r>
             <a:endParaRPr lang="ko-KR" altLang="en-US"/>
           </a:p>
         </p:txBody>
@@ -668,7 +674,7 @@
           <a:p>
             <a:fld id="{8697CD8D-5FF8-45F7-B5D9-86A8A4C3B6A4}" type="datetimeFigureOut">
               <a:rPr lang="ko-KR" altLang="en-US" smtClean="0"/>
-              <a:t>2023-10-23</a:t>
+              <a:t>2023-10-24</a:t>
             </a:fld>
             <a:endParaRPr lang="ko-KR" altLang="en-US"/>
           </a:p>
@@ -964,7 +970,7 @@
           <a:p>
             <a:fld id="{8697CD8D-5FF8-45F7-B5D9-86A8A4C3B6A4}" type="datetimeFigureOut">
               <a:rPr lang="ko-KR" altLang="en-US" smtClean="0"/>
-              <a:t>2023-10-23</a:t>
+              <a:t>2023-10-24</a:t>
             </a:fld>
             <a:endParaRPr lang="ko-KR" altLang="en-US"/>
           </a:p>
@@ -1170,7 +1176,7 @@
           <a:p>
             <a:fld id="{8697CD8D-5FF8-45F7-B5D9-86A8A4C3B6A4}" type="datetimeFigureOut">
               <a:rPr lang="ko-KR" altLang="en-US" smtClean="0"/>
-              <a:t>2023-10-23</a:t>
+              <a:t>2023-10-24</a:t>
             </a:fld>
             <a:endParaRPr lang="ko-KR" altLang="en-US"/>
           </a:p>
@@ -1386,7 +1392,7 @@
           <a:p>
             <a:fld id="{8697CD8D-5FF8-45F7-B5D9-86A8A4C3B6A4}" type="datetimeFigureOut">
               <a:rPr lang="ko-KR" altLang="en-US" smtClean="0"/>
-              <a:t>2023-10-23</a:t>
+              <a:t>2023-10-24</a:t>
             </a:fld>
             <a:endParaRPr lang="ko-KR" altLang="en-US"/>
           </a:p>
@@ -1592,7 +1598,7 @@
           <a:p>
             <a:fld id="{8697CD8D-5FF8-45F7-B5D9-86A8A4C3B6A4}" type="datetimeFigureOut">
               <a:rPr lang="ko-KR" altLang="en-US" smtClean="0"/>
-              <a:t>2023-10-23</a:t>
+              <a:t>2023-10-24</a:t>
             </a:fld>
             <a:endParaRPr lang="ko-KR" altLang="en-US"/>
           </a:p>
@@ -1875,7 +1881,7 @@
           <a:p>
             <a:fld id="{8697CD8D-5FF8-45F7-B5D9-86A8A4C3B6A4}" type="datetimeFigureOut">
               <a:rPr lang="ko-KR" altLang="en-US" smtClean="0"/>
-              <a:t>2023-10-23</a:t>
+              <a:t>2023-10-24</a:t>
             </a:fld>
             <a:endParaRPr lang="ko-KR" altLang="en-US"/>
           </a:p>
@@ -2148,7 +2154,7 @@
           <a:p>
             <a:fld id="{8697CD8D-5FF8-45F7-B5D9-86A8A4C3B6A4}" type="datetimeFigureOut">
               <a:rPr lang="ko-KR" altLang="en-US" smtClean="0"/>
-              <a:t>2023-10-23</a:t>
+              <a:t>2023-10-24</a:t>
             </a:fld>
             <a:endParaRPr lang="ko-KR" altLang="en-US"/>
           </a:p>
@@ -2568,7 +2574,7 @@
           <a:p>
             <a:fld id="{8697CD8D-5FF8-45F7-B5D9-86A8A4C3B6A4}" type="datetimeFigureOut">
               <a:rPr lang="ko-KR" altLang="en-US" smtClean="0"/>
-              <a:t>2023-10-23</a:t>
+              <a:t>2023-10-24</a:t>
             </a:fld>
             <a:endParaRPr lang="ko-KR" altLang="en-US"/>
           </a:p>
@@ -2717,7 +2723,7 @@
           <a:p>
             <a:fld id="{8697CD8D-5FF8-45F7-B5D9-86A8A4C3B6A4}" type="datetimeFigureOut">
               <a:rPr lang="ko-KR" altLang="en-US" smtClean="0"/>
-              <a:t>2023-10-23</a:t>
+              <a:t>2023-10-24</a:t>
             </a:fld>
             <a:endParaRPr lang="ko-KR" altLang="en-US"/>
           </a:p>
@@ -2838,7 +2844,7 @@
           <a:p>
             <a:fld id="{8697CD8D-5FF8-45F7-B5D9-86A8A4C3B6A4}" type="datetimeFigureOut">
               <a:rPr lang="ko-KR" altLang="en-US" smtClean="0"/>
-              <a:t>2023-10-23</a:t>
+              <a:t>2023-10-24</a:t>
             </a:fld>
             <a:endParaRPr lang="ko-KR" altLang="en-US"/>
           </a:p>
@@ -3064,7 +3070,7 @@
           <a:p>
             <a:fld id="{8697CD8D-5FF8-45F7-B5D9-86A8A4C3B6A4}" type="datetimeFigureOut">
               <a:rPr lang="ko-KR" altLang="en-US" smtClean="0"/>
-              <a:t>2023-10-23</a:t>
+              <a:t>2023-10-24</a:t>
             </a:fld>
             <a:endParaRPr lang="ko-KR" altLang="en-US"/>
           </a:p>
@@ -3399,7 +3405,7 @@
           <a:p>
             <a:fld id="{8697CD8D-5FF8-45F7-B5D9-86A8A4C3B6A4}" type="datetimeFigureOut">
               <a:rPr lang="ko-KR" altLang="en-US" smtClean="0"/>
-              <a:t>2023-10-23</a:t>
+              <a:t>2023-10-24</a:t>
             </a:fld>
             <a:endParaRPr lang="ko-KR" altLang="en-US"/>
           </a:p>
@@ -3648,7 +3654,7 @@
           <a:p>
             <a:fld id="{8697CD8D-5FF8-45F7-B5D9-86A8A4C3B6A4}" type="datetimeFigureOut">
               <a:rPr lang="ko-KR" altLang="en-US" smtClean="0"/>
-              <a:t>2023-10-23</a:t>
+              <a:t>2023-10-24</a:t>
             </a:fld>
             <a:endParaRPr lang="ko-KR" altLang="en-US"/>
           </a:p>
@@ -6772,11 +6778,11 @@
   <p:clrMapOvr>
     <a:masterClrMapping/>
   </p:clrMapOvr>
-  <mc:AlternateContent xmlns:mc="http://schemas.openxmlformats.org/markup-compatibility/2006">
-    <mc:Choice xmlns:p14="http://schemas.microsoft.com/office/powerpoint/2010/main" Requires="p14">
+  <mc:AlternateContent xmlns:mc="http://schemas.openxmlformats.org/markup-compatibility/2006" xmlns:p14="http://schemas.microsoft.com/office/powerpoint/2010/main">
+    <mc:Choice Requires="p14">
       <p:transition p14:dur="10"/>
     </mc:Choice>
-    <mc:Fallback>
+    <mc:Fallback xmlns="">
       <p:transition/>
     </mc:Fallback>
   </mc:AlternateContent>
@@ -8084,11 +8090,11 @@
   <p:clrMapOvr>
     <a:masterClrMapping/>
   </p:clrMapOvr>
-  <mc:AlternateContent xmlns:mc="http://schemas.openxmlformats.org/markup-compatibility/2006">
-    <mc:Choice xmlns:p14="http://schemas.microsoft.com/office/powerpoint/2010/main" Requires="p14">
+  <mc:AlternateContent xmlns:mc="http://schemas.openxmlformats.org/markup-compatibility/2006" xmlns:p14="http://schemas.microsoft.com/office/powerpoint/2010/main">
+    <mc:Choice Requires="p14">
       <p:transition p14:dur="10"/>
     </mc:Choice>
-    <mc:Fallback>
+    <mc:Fallback xmlns="">
       <p:transition/>
     </mc:Fallback>
   </mc:AlternateContent>
@@ -8891,14 +8897,7 @@
                 <a:latin typeface="나눔고딕 ExtraBold" panose="020D0904000000000000" pitchFamily="50" charset="-127"/>
                 <a:ea typeface="나눔고딕 ExtraBold" panose="020D0904000000000000" pitchFamily="50" charset="-127"/>
               </a:rPr>
-              <a:t>프로시저 생성 및 </a:t>
-            </a:r>
-            <a:r>
-              <a:rPr lang="ko-KR" altLang="en-US" sz="2200" b="1" dirty="0" smtClean="0">
-                <a:latin typeface="나눔고딕 ExtraBold" panose="020D0904000000000000" pitchFamily="50" charset="-127"/>
-                <a:ea typeface="나눔고딕 ExtraBold" panose="020D0904000000000000" pitchFamily="50" charset="-127"/>
-              </a:rPr>
-              <a:t>결과</a:t>
+              <a:t>프로시저 생성 및 결과</a:t>
             </a:r>
             <a:endParaRPr lang="ko-KR" altLang="en-US" sz="2200" b="1" dirty="0">
               <a:latin typeface="나눔고딕 ExtraBold" panose="020D0904000000000000" pitchFamily="50" charset="-127"/>
@@ -10542,7 +10541,7 @@
 </file>
 
 <file path=ppt/slides/slide22.xml><?xml version="1.0" encoding="utf-8"?>
-<p:sld xmlns:r="http://schemas.openxmlformats.org/officeDocument/2006/relationships" xmlns:c="http://schemas.openxmlformats.org/drawingml/2006/chart" xmlns:a="http://schemas.openxmlformats.org/drawingml/2006/main" xmlns:dgm="http://schemas.openxmlformats.org/drawingml/2006/diagram" xmlns:dsp="http://schemas.microsoft.com/office/drawing/2008/diagram" xmlns:p="http://schemas.openxmlformats.org/presentationml/2006/main">
+<p:sld xmlns:a="http://schemas.openxmlformats.org/drawingml/2006/main" xmlns:r="http://schemas.openxmlformats.org/officeDocument/2006/relationships" xmlns:p="http://schemas.openxmlformats.org/presentationml/2006/main">
   <p:cSld>
     <p:spTree>
       <p:nvGrpSpPr>
@@ -10565,7 +10564,7 @@
           <p:nvPr/>
         </p:nvGrpSpPr>
         <p:grpSpPr>
-          <a:xfrm rot="0">
+          <a:xfrm>
             <a:off x="0" y="4880503"/>
             <a:ext cx="12192000" cy="1977497"/>
             <a:chOff x="0" y="4880503"/>
@@ -10745,10 +10744,6 @@
               </a:rPr>
               <a:t>자체 평가 의견</a:t>
             </a:r>
-            <a:endParaRPr lang="ko-KR" altLang="en-US" sz="3500" b="1">
-              <a:latin typeface="나눔고딕 ExtraBold"/>
-              <a:ea typeface="나눔고딕 ExtraBold"/>
-            </a:endParaRPr>
           </a:p>
         </p:txBody>
       </p:sp>
@@ -10759,7 +10754,7 @@
           <p:nvPr/>
         </p:nvGrpSpPr>
         <p:grpSpPr>
-          <a:xfrm rot="0">
+          <a:xfrm>
             <a:off x="481754" y="1674606"/>
             <a:ext cx="11225579" cy="3508789"/>
             <a:chOff x="481754" y="1674606"/>
@@ -10773,7 +10768,7 @@
             <p:nvPr/>
           </p:nvGrpSpPr>
           <p:grpSpPr>
-            <a:xfrm rot="0">
+            <a:xfrm>
               <a:off x="7372029" y="1674607"/>
               <a:ext cx="2041453" cy="3508788"/>
               <a:chOff x="946239" y="1871456"/>
@@ -10923,10 +10918,6 @@
                   </a:rPr>
                   <a:t>정인혁</a:t>
                 </a:r>
-                <a:endParaRPr lang="ko-KR" altLang="en-US" sz="2000" b="1">
-                  <a:latin typeface="나눔고딕"/>
-                  <a:ea typeface="나눔고딕"/>
-                </a:endParaRPr>
               </a:p>
             </p:txBody>
           </p:sp>
@@ -10938,7 +10929,7 @@
             <p:nvPr/>
           </p:nvGrpSpPr>
           <p:grpSpPr>
-            <a:xfrm rot="0">
+            <a:xfrm>
               <a:off x="481754" y="1674606"/>
               <a:ext cx="2041453" cy="3508788"/>
               <a:chOff x="946239" y="1871456"/>
@@ -11088,10 +11079,6 @@
                   </a:rPr>
                   <a:t>정용억</a:t>
                 </a:r>
-                <a:endParaRPr lang="ko-KR" altLang="en-US" sz="2000" b="1">
-                  <a:latin typeface="나눔고딕"/>
-                  <a:ea typeface="나눔고딕"/>
-                </a:endParaRPr>
               </a:p>
             </p:txBody>
           </p:sp>
@@ -11103,7 +11090,7 @@
             <p:nvPr/>
           </p:nvGrpSpPr>
           <p:grpSpPr>
-            <a:xfrm rot="0">
+            <a:xfrm>
               <a:off x="2778514" y="1674606"/>
               <a:ext cx="2041453" cy="3508788"/>
               <a:chOff x="946239" y="1871456"/>
@@ -11253,10 +11240,6 @@
                   </a:rPr>
                   <a:t>이현오</a:t>
                 </a:r>
-                <a:endParaRPr lang="ko-KR" altLang="en-US" sz="2000" b="1">
-                  <a:latin typeface="나눔고딕"/>
-                  <a:ea typeface="나눔고딕"/>
-                </a:endParaRPr>
               </a:p>
             </p:txBody>
           </p:sp>
@@ -11268,7 +11251,7 @@
             <p:nvPr/>
           </p:nvGrpSpPr>
           <p:grpSpPr>
-            <a:xfrm rot="0">
+            <a:xfrm>
               <a:off x="661031" y="1674606"/>
               <a:ext cx="8573171" cy="3508788"/>
               <a:chOff x="-3468006" y="1871456"/>
@@ -11418,10 +11401,6 @@
                   </a:rPr>
                   <a:t>장광수</a:t>
                 </a:r>
-                <a:endParaRPr lang="ko-KR" altLang="en-US" sz="2000" b="1">
-                  <a:latin typeface="나눔고딕"/>
-                  <a:ea typeface="나눔고딕"/>
-                </a:endParaRPr>
               </a:p>
             </p:txBody>
           </p:sp>
@@ -11454,7 +11433,7 @@
                   <a:defRPr/>
                 </a:pPr>
                 <a:r>
-                  <a:rPr lang="ko-KR" altLang="en-US" sz="1500" b="0" spc="-150">
+                  <a:rPr lang="ko-KR" altLang="en-US" sz="1500" b="0" spc="-150" dirty="0">
                     <a:solidFill>
                       <a:schemeClr val="tx1">
                         <a:lumMod val="75000"/>
@@ -11467,7 +11446,7 @@
                   <a:t>오라클 </a:t>
                 </a:r>
                 <a:r>
-                  <a:rPr lang="en-US" altLang="ko-KR" sz="1500" b="0" spc="-150">
+                  <a:rPr lang="en-US" altLang="ko-KR" sz="1500" b="0" spc="-150" dirty="0">
                     <a:solidFill>
                       <a:schemeClr val="tx1">
                         <a:lumMod val="75000"/>
@@ -11480,7 +11459,7 @@
                   <a:t>SQL </a:t>
                 </a:r>
                 <a:r>
-                  <a:rPr lang="ko-KR" altLang="en-US" sz="1500" b="0" spc="-150">
+                  <a:rPr lang="ko-KR" altLang="en-US" sz="1500" b="0" spc="-150" dirty="0">
                     <a:solidFill>
                       <a:schemeClr val="tx1">
                         <a:lumMod val="75000"/>
@@ -11493,7 +11472,7 @@
                   <a:t>프로그램을 이용하여 데이터 구조를 생성하는 것과 데이터 구분이 중요한 일 임을 깨달을 수 있는 프로젝트였다</a:t>
                 </a:r>
                 <a:r>
-                  <a:rPr lang="en-US" altLang="ko-KR" sz="1500" b="0" spc="-150">
+                  <a:rPr lang="en-US" altLang="ko-KR" sz="1500" b="0" spc="-150" dirty="0">
                     <a:solidFill>
                       <a:schemeClr val="tx1">
                         <a:lumMod val="75000"/>
@@ -11505,7 +11484,7 @@
                   </a:rPr>
                   <a:t>.</a:t>
                 </a:r>
-                <a:endParaRPr lang="ko-KR" altLang="en-US" sz="1500" b="0" spc="-150">
+                <a:endParaRPr lang="ko-KR" altLang="en-US" sz="1500" b="0" spc="-150" dirty="0">
                   <a:solidFill>
                     <a:schemeClr val="tx1">
                       <a:lumMod val="75000"/>
@@ -11527,7 +11506,7 @@
             <p:spPr>
               <a:xfrm>
                 <a:off x="-1171246" y="2769029"/>
-                <a:ext cx="1682895" cy="359616"/>
+                <a:ext cx="1682895" cy="2031325"/>
               </a:xfrm>
               <a:prstGeom prst="rect">
                 <a:avLst/>
@@ -11547,7 +11526,7 @@
                   <a:defRPr/>
                 </a:pPr>
                 <a:r>
-                  <a:rPr lang="ko-KR" altLang="en-US" sz="1500" b="0" spc="-150">
+                  <a:rPr lang="en-US" altLang="ko-KR" sz="1500" spc="-150" dirty="0" smtClean="0">
                     <a:solidFill>
                       <a:schemeClr val="tx1">
                         <a:lumMod val="75000"/>
@@ -11557,9 +11536,113 @@
                     <a:latin typeface="나눔고딕"/>
                     <a:ea typeface="나눔고딕"/>
                   </a:rPr>
-                  <a:t>ㄹㄹ</a:t>
+                  <a:t>DB</a:t>
                 </a:r>
-                <a:endParaRPr lang="ko-KR" altLang="en-US" sz="1500" b="0" spc="-150">
+                <a:r>
+                  <a:rPr lang="ko-KR" altLang="en-US" sz="1500" spc="-150" dirty="0" smtClean="0">
+                    <a:solidFill>
+                      <a:schemeClr val="tx1">
+                        <a:lumMod val="75000"/>
+                        <a:lumOff val="25000"/>
+                      </a:schemeClr>
+                    </a:solidFill>
+                    <a:latin typeface="나눔고딕"/>
+                    <a:ea typeface="나눔고딕"/>
+                  </a:rPr>
+                  <a:t>프로그램인 오라클 프로젝트를 통해 </a:t>
+                </a:r>
+                <a:r>
+                  <a:rPr lang="en-US" altLang="ko-KR" sz="1500" spc="-150" dirty="0" smtClean="0">
+                    <a:solidFill>
+                      <a:schemeClr val="tx1">
+                        <a:lumMod val="75000"/>
+                        <a:lumOff val="25000"/>
+                      </a:schemeClr>
+                    </a:solidFill>
+                    <a:latin typeface="나눔고딕"/>
+                    <a:ea typeface="나눔고딕"/>
+                  </a:rPr>
+                  <a:t>SQL</a:t>
+                </a:r>
+                <a:r>
+                  <a:rPr lang="ko-KR" altLang="en-US" sz="1500" spc="-150" dirty="0" smtClean="0">
+                    <a:solidFill>
+                      <a:schemeClr val="tx1">
+                        <a:lumMod val="75000"/>
+                        <a:lumOff val="25000"/>
+                      </a:schemeClr>
+                    </a:solidFill>
+                    <a:latin typeface="나눔고딕"/>
+                    <a:ea typeface="나눔고딕"/>
+                  </a:rPr>
+                  <a:t>문들 사용하여 </a:t>
+                </a:r>
+                <a:r>
+                  <a:rPr lang="en-US" altLang="ko-KR" sz="1500" spc="-150" dirty="0" smtClean="0">
+                    <a:solidFill>
+                      <a:schemeClr val="tx1">
+                        <a:lumMod val="75000"/>
+                        <a:lumOff val="25000"/>
+                      </a:schemeClr>
+                    </a:solidFill>
+                    <a:latin typeface="나눔고딕"/>
+                    <a:ea typeface="나눔고딕"/>
+                  </a:rPr>
+                  <a:t>DB </a:t>
+                </a:r>
+                <a:r>
+                  <a:rPr lang="ko-KR" altLang="en-US" sz="1500" spc="-150" dirty="0" smtClean="0">
+                    <a:solidFill>
+                      <a:schemeClr val="tx1">
+                        <a:lumMod val="75000"/>
+                        <a:lumOff val="25000"/>
+                      </a:schemeClr>
+                    </a:solidFill>
+                    <a:latin typeface="나눔고딕"/>
+                    <a:ea typeface="나눔고딕"/>
+                  </a:rPr>
+                  <a:t>구조에 대해서 조금 더 </a:t>
+                </a:r>
+                <a:r>
+                  <a:rPr lang="ko-KR" altLang="en-US" sz="1500" spc="-150" smtClean="0">
+                    <a:solidFill>
+                      <a:schemeClr val="tx1">
+                        <a:lumMod val="75000"/>
+                        <a:lumOff val="25000"/>
+                      </a:schemeClr>
+                    </a:solidFill>
+                    <a:latin typeface="나눔고딕"/>
+                    <a:ea typeface="나눔고딕"/>
+                  </a:rPr>
+                  <a:t>자세하게 알게 되어서 </a:t>
+                </a:r>
+                <a:r>
+                  <a:rPr lang="ko-KR" altLang="en-US" sz="1500" spc="-150" dirty="0" smtClean="0">
+                    <a:solidFill>
+                      <a:schemeClr val="tx1">
+                        <a:lumMod val="75000"/>
+                        <a:lumOff val="25000"/>
+                      </a:schemeClr>
+                    </a:solidFill>
+                    <a:latin typeface="나눔고딕"/>
+                    <a:ea typeface="나눔고딕"/>
+                  </a:rPr>
+                  <a:t>좋은 프로젝트였습니다</a:t>
+                </a:r>
+                <a:r>
+                  <a:rPr lang="en-US" altLang="ko-KR" sz="1500" spc="-150" dirty="0" smtClean="0">
+                    <a:solidFill>
+                      <a:schemeClr val="tx1">
+                        <a:lumMod val="75000"/>
+                        <a:lumOff val="25000"/>
+                      </a:schemeClr>
+                    </a:solidFill>
+                    <a:latin typeface="나눔고딕"/>
+                    <a:ea typeface="나눔고딕"/>
+                  </a:rPr>
+                  <a:t>.</a:t>
+                </a:r>
+                <a:endParaRPr lang="ko-KR" altLang="en-US" sz="1500" b="0" spc="-150" dirty="0">
                   <a:solidFill>
                     <a:schemeClr val="tx1">
                       <a:lumMod val="75000"/>
@@ -11613,16 +11696,6 @@
                   </a:rPr>
                   <a:t>ㄹㄹ</a:t>
                 </a:r>
-                <a:endParaRPr lang="ko-KR" altLang="en-US" sz="1500" b="0" spc="-150">
-                  <a:solidFill>
-                    <a:schemeClr val="tx1">
-                      <a:lumMod val="75000"/>
-                      <a:lumOff val="25000"/>
-                    </a:schemeClr>
-                  </a:solidFill>
-                  <a:latin typeface="나눔고딕"/>
-                  <a:ea typeface="나눔고딕"/>
-                </a:endParaRPr>
               </a:p>
             </p:txBody>
           </p:sp>
@@ -11655,7 +11728,7 @@
                   <a:defRPr/>
                 </a:pPr>
                 <a:r>
-                  <a:rPr lang="ko-KR" altLang="en-US" sz="1500" b="0" spc="-150">
+                  <a:rPr lang="ko-KR" altLang="en-US" sz="1500" b="0" spc="-150" dirty="0">
                     <a:solidFill>
                       <a:schemeClr val="tx1">
                         <a:lumMod val="75000"/>
@@ -11668,7 +11741,7 @@
                   <a:t>테이블 생성부터 시작해서  데이터 삽입하고</a:t>
                 </a:r>
                 <a:r>
-                  <a:rPr lang="en-US" altLang="ko-KR" sz="1500" b="0" spc="-150">
+                  <a:rPr lang="en-US" altLang="ko-KR" sz="1500" b="0" spc="-150" dirty="0">
                     <a:solidFill>
                       <a:schemeClr val="tx1">
                         <a:lumMod val="75000"/>
@@ -11681,7 +11754,7 @@
                   <a:t>, </a:t>
                 </a:r>
                 <a:r>
-                  <a:rPr lang="ko-KR" altLang="en-US" sz="1500" b="0" spc="-150">
+                  <a:rPr lang="ko-KR" altLang="en-US" sz="1500" b="0" spc="-150" dirty="0">
                     <a:solidFill>
                       <a:schemeClr val="tx1">
                         <a:lumMod val="75000"/>
@@ -11694,7 +11767,7 @@
                   <a:t>여러 기능들을 해보면서 데이터 베이스 구조에 대해 좀 더 알게 되어서 좋았습니다</a:t>
                 </a:r>
                 <a:r>
-                  <a:rPr lang="en-US" altLang="ko-KR" sz="1500" b="0" spc="-150">
+                  <a:rPr lang="en-US" altLang="ko-KR" sz="1500" b="0" spc="-150" dirty="0">
                     <a:solidFill>
                       <a:schemeClr val="tx1">
                         <a:lumMod val="75000"/>
@@ -11706,7 +11779,7 @@
                   </a:rPr>
                   <a:t>!</a:t>
                 </a:r>
-                <a:endParaRPr lang="ko-KR" altLang="en-US" sz="1500" b="0" spc="-150">
+                <a:endParaRPr lang="ko-KR" altLang="en-US" sz="1500" b="0" spc="-150" dirty="0">
                   <a:solidFill>
                     <a:schemeClr val="tx1">
                       <a:lumMod val="75000"/>
@@ -11727,7 +11800,7 @@
             <p:nvPr/>
           </p:nvGrpSpPr>
           <p:grpSpPr>
-            <a:xfrm rot="0">
+            <a:xfrm>
               <a:off x="9665880" y="1674607"/>
               <a:ext cx="2041453" cy="3508788"/>
               <a:chOff x="946239" y="1871456"/>
@@ -11877,10 +11950,6 @@
                   </a:rPr>
                   <a:t>최효정</a:t>
                 </a:r>
-                <a:endParaRPr lang="ko-KR" altLang="en-US" sz="2000" b="1">
-                  <a:latin typeface="나눔고딕"/>
-                  <a:ea typeface="나눔고딕"/>
-                </a:endParaRPr>
               </a:p>
             </p:txBody>
           </p:sp>
@@ -11914,7 +11983,7 @@
                 <a:defRPr/>
               </a:pPr>
               <a:r>
-                <a:rPr lang="ko-KR" altLang="en-US" sz="1500" b="0" spc="-150">
+                <a:rPr lang="ko-KR" altLang="en-US" sz="1500" b="0" spc="-150" dirty="0">
                   <a:solidFill>
                     <a:schemeClr val="tx1">
                       <a:lumMod val="75000"/>
@@ -11924,10 +11993,36 @@
                   <a:latin typeface="나눔고딕"/>
                   <a:ea typeface="나눔고딕"/>
                 </a:rPr>
-                <a:t>데이터를 데이터베이스에 저장함으로써 데이터를 더 효율적으로 관리할 수 있다는 점을 다시한번 상기하는 계기가 되었다</a:t>
+                <a:t>데이터를 데이터베이스에 저장함으로써 데이터를 더 효율적으로 관리할 수 있다는 점을 </a:t>
               </a:r>
               <a:r>
-                <a:rPr lang="en-US" altLang="ko-KR" sz="1500" b="0" spc="-150">
+                <a:rPr lang="ko-KR" altLang="en-US" sz="1500" b="0" spc="-150" dirty="0" smtClean="0">
+                  <a:solidFill>
+                    <a:schemeClr val="tx1">
+                      <a:lumMod val="75000"/>
+                      <a:lumOff val="25000"/>
+                    </a:schemeClr>
+                  </a:solidFill>
+                  <a:latin typeface="나눔고딕"/>
+                  <a:ea typeface="나눔고딕"/>
+                </a:rPr>
+                <a:t>다시 한번 </a:t>
+              </a:r>
+              <a:r>
+                <a:rPr lang="ko-KR" altLang="en-US" sz="1500" b="0" spc="-150" dirty="0">
+                  <a:solidFill>
+                    <a:schemeClr val="tx1">
+                      <a:lumMod val="75000"/>
+                      <a:lumOff val="25000"/>
+                    </a:schemeClr>
+                  </a:solidFill>
+                  <a:latin typeface="나눔고딕"/>
+                  <a:ea typeface="나눔고딕"/>
+                </a:rPr>
+                <a:t>상기하는 계기가 되었다</a:t>
+              </a:r>
+              <a:r>
+                <a:rPr lang="en-US" altLang="ko-KR" sz="1500" b="0" spc="-150" dirty="0">
                   <a:solidFill>
                     <a:schemeClr val="tx1">
                       <a:lumMod val="75000"/>
@@ -11939,16 +12034,6 @@
                 </a:rPr>
                 <a:t>.</a:t>
               </a:r>
-              <a:endParaRPr lang="en-US" altLang="ko-KR" sz="1500" b="0" spc="-150">
-                <a:solidFill>
-                  <a:schemeClr val="tx1">
-                    <a:lumMod val="75000"/>
-                    <a:lumOff val="25000"/>
-                  </a:schemeClr>
-                </a:solidFill>
-                <a:latin typeface="나눔고딕"/>
-                <a:ea typeface="나눔고딕"/>
-              </a:endParaRPr>
             </a:p>
           </p:txBody>
         </p:sp>
@@ -11958,11 +12043,11 @@
   <p:clrMapOvr>
     <a:masterClrMapping/>
   </p:clrMapOvr>
-  <mc:AlternateContent xmlns:mc="http://schemas.openxmlformats.org/markup-compatibility/2006">
-    <mc:Choice xmlns:p14="http://schemas.microsoft.com/office/powerpoint/2010/main" Requires="p14">
-      <p:transition xmlns:mc="http://schemas.openxmlformats.org/markup-compatibility/2006" xmlns:p14="http://schemas.microsoft.com/office/powerpoint/2010/main" mc:Ignorable="p14" p14:dur="0"/>
+  <mc:AlternateContent xmlns:mc="http://schemas.openxmlformats.org/markup-compatibility/2006" xmlns:p14="http://schemas.microsoft.com/office/powerpoint/2010/main">
+    <mc:Choice Requires="p14">
+      <p:transition p14:dur="0"/>
     </mc:Choice>
-    <mc:Fallback>
+    <mc:Fallback xmlns:dsp="http://schemas.microsoft.com/office/drawing/2008/diagram" xmlns:dgm="http://schemas.openxmlformats.org/drawingml/2006/diagram" xmlns:c="http://schemas.openxmlformats.org/drawingml/2006/chart" xmlns="">
       <p:transition/>
     </mc:Fallback>
   </mc:AlternateContent>
@@ -15160,38 +15245,38 @@
 </file>
 
 <file path=ppt/theme/theme1.xml><?xml version="1.0" encoding="utf-8"?>
-<a:theme xmlns:r="http://schemas.openxmlformats.org/officeDocument/2006/relationships" xmlns:c="http://schemas.openxmlformats.org/drawingml/2006/chart" xmlns:dgm="http://schemas.openxmlformats.org/drawingml/2006/diagram" xmlns:dsp="http://schemas.microsoft.com/office/drawing/2008/diagram" xmlns:a="http://schemas.openxmlformats.org/drawingml/2006/main" xmlns:pic="http://schemas.openxmlformats.org/drawingml/2006/picture" xmlns:wp="http://schemas.openxmlformats.org/drawingml/2006/wordprocessingDrawing" xmlns:xdr="http://schemas.openxmlformats.org/drawingml/2006/spreadsheetDrawing" name="Office 테마">
+<a:theme xmlns:a="http://schemas.openxmlformats.org/drawingml/2006/main" name="Office 테마">
   <a:themeElements>
     <a:clrScheme name="189">
       <a:dk1>
         <a:sysClr val="windowText" lastClr="000000"/>
       </a:dk1>
       <a:lt1>
-        <a:sysClr val="window" lastClr="ffffff"/>
+        <a:sysClr val="window" lastClr="FFFFFF"/>
       </a:lt1>
       <a:dk2>
-        <a:srgbClr val="44546a"/>
+        <a:srgbClr val="44546A"/>
       </a:dk2>
       <a:lt2>
-        <a:srgbClr val="e7e6e6"/>
+        <a:srgbClr val="E7E6E6"/>
       </a:lt2>
       <a:accent1>
-        <a:srgbClr val="05264e"/>
+        <a:srgbClr val="05264E"/>
       </a:accent1>
       <a:accent2>
-        <a:srgbClr val="3f668f"/>
+        <a:srgbClr val="3F668F"/>
       </a:accent2>
       <a:accent3>
-        <a:srgbClr val="4a7eca"/>
+        <a:srgbClr val="4A7ECA"/>
       </a:accent3>
       <a:accent4>
-        <a:srgbClr val="b28659"/>
+        <a:srgbClr val="B28659"/>
       </a:accent4>
       <a:accent5>
-        <a:srgbClr val="fdc467"/>
+        <a:srgbClr val="FDC467"/>
       </a:accent5>
       <a:accent6>
-        <a:srgbClr val="e5d8c9"/>
+        <a:srgbClr val="E5D8C9"/>
       </a:accent6>
       <a:hlink>
         <a:srgbClr val="262626"/>
@@ -15405,53 +15490,54 @@
       <a:lstStyle/>
     </a:txDef>
   </a:objectDefaults>
+  <a:extraClrSchemeLst/>
 </a:theme>
 </file>
 
 <file path=ppt/theme/theme2.xml><?xml version="1.0" encoding="utf-8"?>
-<a:theme xmlns:r="http://schemas.openxmlformats.org/officeDocument/2006/relationships" xmlns:c="http://schemas.openxmlformats.org/drawingml/2006/chart" xmlns:dgm="http://schemas.openxmlformats.org/drawingml/2006/diagram" xmlns:dsp="http://schemas.microsoft.com/office/drawing/2008/diagram" xmlns:a="http://schemas.openxmlformats.org/drawingml/2006/main" xmlns:pic="http://schemas.openxmlformats.org/drawingml/2006/picture" xmlns:wp="http://schemas.openxmlformats.org/drawingml/2006/wordprocessingDrawing" xmlns:xdr="http://schemas.openxmlformats.org/drawingml/2006/spreadsheetDrawing" name="Office 테마">
+<a:theme xmlns:a="http://schemas.openxmlformats.org/drawingml/2006/main" name="Office 테마">
   <a:themeElements>
     <a:clrScheme name="Office">
       <a:dk1>
         <a:sysClr val="windowText" lastClr="000000"/>
       </a:dk1>
       <a:lt1>
-        <a:sysClr val="window" lastClr="ffffff"/>
+        <a:sysClr val="window" lastClr="FFFFFF"/>
       </a:lt1>
       <a:dk2>
-        <a:srgbClr val="44546a"/>
+        <a:srgbClr val="44546A"/>
       </a:dk2>
       <a:lt2>
-        <a:srgbClr val="e7e6e6"/>
+        <a:srgbClr val="E7E6E6"/>
       </a:lt2>
       <a:accent1>
-        <a:srgbClr val="5b9bd5"/>
+        <a:srgbClr val="5B9BD5"/>
       </a:accent1>
       <a:accent2>
-        <a:srgbClr val="ed7d31"/>
+        <a:srgbClr val="ED7D31"/>
       </a:accent2>
       <a:accent3>
-        <a:srgbClr val="a5a5a5"/>
+        <a:srgbClr val="A5A5A5"/>
       </a:accent3>
       <a:accent4>
-        <a:srgbClr val="ffc000"/>
+        <a:srgbClr val="FFC000"/>
       </a:accent4>
       <a:accent5>
-        <a:srgbClr val="4472c4"/>
+        <a:srgbClr val="4472C4"/>
       </a:accent5>
       <a:accent6>
-        <a:srgbClr val="70ad47"/>
+        <a:srgbClr val="70AD47"/>
       </a:accent6>
       <a:hlink>
-        <a:srgbClr val="0563c1"/>
+        <a:srgbClr val="0563C1"/>
       </a:hlink>
       <a:folHlink>
-        <a:srgbClr val="954f72"/>
+        <a:srgbClr val="954F72"/>
       </a:folHlink>
     </a:clrScheme>
     <a:fontScheme name="Office">
       <a:majorFont>
-        <a:latin typeface="맑은 고딕" panose="20"/>
+        <a:latin typeface="맑은 고딕" panose="20000000000000000000"/>
         <a:ea typeface=""/>
         <a:cs typeface=""/>
         <a:font script="Jpan" typeface="Yu Gothic Light"/>
@@ -15486,7 +15572,7 @@
         <a:font script="Geor" typeface="Sylfaen"/>
       </a:majorFont>
       <a:minorFont>
-        <a:latin typeface="맑은 고딕" panose="20"/>
+        <a:latin typeface="맑은 고딕" panose="20000000000000000000"/>
         <a:ea typeface=""/>
         <a:cs typeface=""/>
         <a:font script="Jpan" typeface="Yu Gothic"/>
@@ -15659,5 +15745,7 @@
       </a:bgFillStyleLst>
     </a:fmtScheme>
   </a:themeElements>
+  <a:objectDefaults/>
+  <a:extraClrSchemeLst/>
 </a:theme>
 </file>
--- a/PPT템플릿/오라클(편의점).pptx
+++ b/PPT템플릿/오라클(편의점).pptx
@@ -5,7 +5,7 @@
     <p:sldMasterId id="2147483662" r:id="rId1"/>
   </p:sldMasterIdLst>
   <p:notesMasterIdLst>
-    <p:notesMasterId r:id="rId25"/>
+    <p:notesMasterId r:id="rId26"/>
   </p:notesMasterIdLst>
   <p:sldIdLst>
     <p:sldId id="256" r:id="rId2"/>
@@ -19,18 +19,19 @@
     <p:sldId id="264" r:id="rId10"/>
     <p:sldId id="265" r:id="rId11"/>
     <p:sldId id="266" r:id="rId12"/>
-    <p:sldId id="267" r:id="rId13"/>
-    <p:sldId id="268" r:id="rId14"/>
-    <p:sldId id="269" r:id="rId15"/>
-    <p:sldId id="270" r:id="rId16"/>
-    <p:sldId id="271" r:id="rId17"/>
-    <p:sldId id="272" r:id="rId18"/>
-    <p:sldId id="273" r:id="rId19"/>
-    <p:sldId id="274" r:id="rId20"/>
-    <p:sldId id="275" r:id="rId21"/>
-    <p:sldId id="276" r:id="rId22"/>
-    <p:sldId id="277" r:id="rId23"/>
-    <p:sldId id="278" r:id="rId24"/>
+    <p:sldId id="279" r:id="rId13"/>
+    <p:sldId id="267" r:id="rId14"/>
+    <p:sldId id="268" r:id="rId15"/>
+    <p:sldId id="269" r:id="rId16"/>
+    <p:sldId id="270" r:id="rId17"/>
+    <p:sldId id="271" r:id="rId18"/>
+    <p:sldId id="272" r:id="rId19"/>
+    <p:sldId id="273" r:id="rId20"/>
+    <p:sldId id="274" r:id="rId21"/>
+    <p:sldId id="275" r:id="rId22"/>
+    <p:sldId id="276" r:id="rId23"/>
+    <p:sldId id="277" r:id="rId24"/>
+    <p:sldId id="278" r:id="rId25"/>
   </p:sldIdLst>
   <p:sldSz cx="12192000" cy="6858000"/>
   <p:notesSz cx="6858000" cy="9144000"/>
@@ -5786,36 +5787,6 @@
           <a:chExt cx="0" cy="0"/>
         </a:xfrm>
       </p:grpSpPr>
-      <p:pic>
-        <p:nvPicPr>
-          <p:cNvPr id="2" name="그림 1"/>
-          <p:cNvPicPr>
-            <a:picLocks noChangeAspect="1"/>
-          </p:cNvPicPr>
-          <p:nvPr/>
-        </p:nvPicPr>
-        <p:blipFill>
-          <a:blip r:embed="rId2">
-            <a:extLst>
-              <a:ext uri="{28A0092B-C50C-407E-A947-70E740481C1C}">
-                <a14:useLocalDpi xmlns:a14="http://schemas.microsoft.com/office/drawing/2010/main" val="0"/>
-              </a:ext>
-            </a:extLst>
-          </a:blip>
-          <a:stretch>
-            <a:fillRect/>
-          </a:stretch>
-        </p:blipFill>
-        <p:spPr>
-          <a:xfrm>
-            <a:off x="2186153" y="1225395"/>
-            <a:ext cx="7819694" cy="4407211"/>
-          </a:xfrm>
-          <a:prstGeom prst="rect">
-            <a:avLst/>
-          </a:prstGeom>
-        </p:spPr>
-      </p:pic>
       <p:cxnSp>
         <p:nvCxnSpPr>
           <p:cNvPr id="24" name="직선 연결선 23">
@@ -6037,6 +6008,359 @@
         <p:spPr>
           <a:xfrm>
             <a:off x="535884" y="968260"/>
+            <a:ext cx="4619212" cy="430887"/>
+          </a:xfrm>
+          <a:prstGeom prst="rect">
+            <a:avLst/>
+          </a:prstGeom>
+          <a:noFill/>
+        </p:spPr>
+        <p:txBody>
+          <a:bodyPr wrap="square" rtlCol="0">
+            <a:spAutoFit/>
+          </a:bodyPr>
+          <a:lstStyle/>
+          <a:p>
+            <a:r>
+              <a:rPr lang="en-US" altLang="ko-KR" sz="2200" b="1" dirty="0" smtClean="0">
+                <a:latin typeface="나눔고딕 ExtraBold" panose="020D0904000000000000" pitchFamily="50" charset="-127"/>
+                <a:ea typeface="나눔고딕 ExtraBold" panose="020D0904000000000000" pitchFamily="50" charset="-127"/>
+              </a:rPr>
+              <a:t>ERD(Entity-Relationship Diagram)</a:t>
+            </a:r>
+            <a:endParaRPr lang="ko-KR" altLang="en-US" sz="2200" b="1" dirty="0">
+              <a:latin typeface="나눔고딕 ExtraBold" panose="020D0904000000000000" pitchFamily="50" charset="-127"/>
+              <a:ea typeface="나눔고딕 ExtraBold" panose="020D0904000000000000" pitchFamily="50" charset="-127"/>
+            </a:endParaRPr>
+          </a:p>
+        </p:txBody>
+      </p:sp>
+      <p:pic>
+        <p:nvPicPr>
+          <p:cNvPr id="3" name="그림 2"/>
+          <p:cNvPicPr>
+            <a:picLocks noChangeAspect="1"/>
+          </p:cNvPicPr>
+          <p:nvPr/>
+        </p:nvPicPr>
+        <p:blipFill>
+          <a:blip r:embed="rId2">
+            <a:extLst>
+              <a:ext uri="{28A0092B-C50C-407E-A947-70E740481C1C}">
+                <a14:useLocalDpi xmlns:a14="http://schemas.microsoft.com/office/drawing/2010/main" val="0"/>
+              </a:ext>
+            </a:extLst>
+          </a:blip>
+          <a:stretch>
+            <a:fillRect/>
+          </a:stretch>
+        </p:blipFill>
+        <p:spPr>
+          <a:xfrm>
+            <a:off x="2902226" y="1380098"/>
+            <a:ext cx="6387548" cy="4097804"/>
+          </a:xfrm>
+          <a:prstGeom prst="rect">
+            <a:avLst/>
+          </a:prstGeom>
+        </p:spPr>
+      </p:pic>
+    </p:spTree>
+    <p:extLst>
+      <p:ext uri="{BB962C8B-B14F-4D97-AF65-F5344CB8AC3E}">
+        <p14:creationId xmlns:p14="http://schemas.microsoft.com/office/powerpoint/2010/main" val="3381879315"/>
+      </p:ext>
+    </p:extLst>
+  </p:cSld>
+  <p:clrMapOvr>
+    <a:masterClrMapping/>
+  </p:clrMapOvr>
+  <mc:AlternateContent xmlns:mc="http://schemas.openxmlformats.org/markup-compatibility/2006" xmlns:p14="http://schemas.microsoft.com/office/powerpoint/2010/main">
+    <mc:Choice Requires="p14">
+      <p:transition p14:dur="0"/>
+    </mc:Choice>
+    <mc:Fallback xmlns="">
+      <p:transition/>
+    </mc:Fallback>
+  </mc:AlternateContent>
+  <p:timing>
+    <p:tnLst>
+      <p:par>
+        <p:cTn id="1" dur="indefinite" restart="never" nodeType="tmRoot"/>
+      </p:par>
+    </p:tnLst>
+  </p:timing>
+</p:sld>
+</file>
+
+<file path=ppt/slides/slide13.xml><?xml version="1.0" encoding="utf-8"?>
+<p:sld xmlns:a="http://schemas.openxmlformats.org/drawingml/2006/main" xmlns:r="http://schemas.openxmlformats.org/officeDocument/2006/relationships" xmlns:p="http://schemas.openxmlformats.org/presentationml/2006/main">
+  <p:cSld>
+    <p:spTree>
+      <p:nvGrpSpPr>
+        <p:cNvPr id="1" name=""/>
+        <p:cNvGrpSpPr/>
+        <p:nvPr/>
+      </p:nvGrpSpPr>
+      <p:grpSpPr>
+        <a:xfrm>
+          <a:off x="0" y="0"/>
+          <a:ext cx="0" cy="0"/>
+          <a:chOff x="0" y="0"/>
+          <a:chExt cx="0" cy="0"/>
+        </a:xfrm>
+      </p:grpSpPr>
+      <p:pic>
+        <p:nvPicPr>
+          <p:cNvPr id="2" name="그림 1"/>
+          <p:cNvPicPr>
+            <a:picLocks noChangeAspect="1"/>
+          </p:cNvPicPr>
+          <p:nvPr/>
+        </p:nvPicPr>
+        <p:blipFill>
+          <a:blip r:embed="rId2">
+            <a:extLst>
+              <a:ext uri="{28A0092B-C50C-407E-A947-70E740481C1C}">
+                <a14:useLocalDpi xmlns:a14="http://schemas.microsoft.com/office/drawing/2010/main" val="0"/>
+              </a:ext>
+            </a:extLst>
+          </a:blip>
+          <a:stretch>
+            <a:fillRect/>
+          </a:stretch>
+        </p:blipFill>
+        <p:spPr>
+          <a:xfrm>
+            <a:off x="2186153" y="1225395"/>
+            <a:ext cx="7819694" cy="4407211"/>
+          </a:xfrm>
+          <a:prstGeom prst="rect">
+            <a:avLst/>
+          </a:prstGeom>
+        </p:spPr>
+      </p:pic>
+      <p:cxnSp>
+        <p:nvCxnSpPr>
+          <p:cNvPr id="24" name="직선 연결선 23">
+            <a:extLst>
+              <a:ext uri="{FF2B5EF4-FFF2-40B4-BE49-F238E27FC236}">
+                <a16:creationId xmlns:a16="http://schemas.microsoft.com/office/drawing/2014/main" id="{DB9D2B11-1A0A-71AC-476F-0FE7FAC4C718}"/>
+              </a:ext>
+            </a:extLst>
+          </p:cNvPr>
+          <p:cNvCxnSpPr/>
+          <p:nvPr/>
+        </p:nvCxnSpPr>
+        <p:spPr>
+          <a:xfrm>
+            <a:off x="568714" y="390293"/>
+            <a:ext cx="6634975" cy="0"/>
+          </a:xfrm>
+          <a:prstGeom prst="line">
+            <a:avLst/>
+          </a:prstGeom>
+          <a:ln>
+            <a:solidFill>
+              <a:schemeClr val="tx1">
+                <a:lumMod val="75000"/>
+                <a:lumOff val="25000"/>
+              </a:schemeClr>
+            </a:solidFill>
+          </a:ln>
+        </p:spPr>
+        <p:style>
+          <a:lnRef idx="1">
+            <a:schemeClr val="accent1"/>
+          </a:lnRef>
+          <a:fillRef idx="0">
+            <a:schemeClr val="accent1"/>
+          </a:fillRef>
+          <a:effectRef idx="0">
+            <a:schemeClr val="accent1"/>
+          </a:effectRef>
+          <a:fontRef idx="minor">
+            <a:schemeClr val="tx1"/>
+          </a:fontRef>
+        </p:style>
+      </p:cxnSp>
+      <p:sp>
+        <p:nvSpPr>
+          <p:cNvPr id="25" name="TextBox 24">
+            <a:extLst>
+              <a:ext uri="{FF2B5EF4-FFF2-40B4-BE49-F238E27FC236}">
+                <a16:creationId xmlns:a16="http://schemas.microsoft.com/office/drawing/2014/main" id="{3E95F627-55D1-E011-B02F-83023BB3539B}"/>
+              </a:ext>
+            </a:extLst>
+          </p:cNvPr>
+          <p:cNvSpPr txBox="1"/>
+          <p:nvPr/>
+        </p:nvSpPr>
+        <p:spPr>
+          <a:xfrm>
+            <a:off x="535884" y="436686"/>
+            <a:ext cx="3682418" cy="630942"/>
+          </a:xfrm>
+          <a:prstGeom prst="rect">
+            <a:avLst/>
+          </a:prstGeom>
+          <a:noFill/>
+        </p:spPr>
+        <p:txBody>
+          <a:bodyPr wrap="none" rtlCol="0">
+            <a:spAutoFit/>
+          </a:bodyPr>
+          <a:lstStyle/>
+          <a:p>
+            <a:r>
+              <a:rPr lang="ko-KR" altLang="en-US" sz="3500" b="1" dirty="0" smtClean="0">
+                <a:latin typeface="나눔고딕 ExtraBold" panose="020D0904000000000000" pitchFamily="50" charset="-127"/>
+                <a:ea typeface="나눔고딕 ExtraBold" panose="020D0904000000000000" pitchFamily="50" charset="-127"/>
+              </a:rPr>
+              <a:t>프로젝트 </a:t>
+            </a:r>
+            <a:r>
+              <a:rPr lang="ko-KR" altLang="en-US" sz="3500" b="1" dirty="0" err="1" smtClean="0">
+                <a:latin typeface="나눔고딕 ExtraBold" panose="020D0904000000000000" pitchFamily="50" charset="-127"/>
+                <a:ea typeface="나눔고딕 ExtraBold" panose="020D0904000000000000" pitchFamily="50" charset="-127"/>
+              </a:rPr>
+              <a:t>수행결과</a:t>
+            </a:r>
+            <a:endParaRPr lang="ko-KR" altLang="en-US" sz="3500" b="1" dirty="0">
+              <a:latin typeface="나눔고딕 ExtraBold" panose="020D0904000000000000" pitchFamily="50" charset="-127"/>
+              <a:ea typeface="나눔고딕 ExtraBold" panose="020D0904000000000000" pitchFamily="50" charset="-127"/>
+            </a:endParaRPr>
+          </a:p>
+        </p:txBody>
+      </p:sp>
+      <p:grpSp>
+        <p:nvGrpSpPr>
+          <p:cNvPr id="4" name="그룹 3"/>
+          <p:cNvGrpSpPr/>
+          <p:nvPr/>
+        </p:nvGrpSpPr>
+        <p:grpSpPr>
+          <a:xfrm>
+            <a:off x="0" y="4880503"/>
+            <a:ext cx="12192000" cy="1977497"/>
+            <a:chOff x="0" y="4880503"/>
+            <a:chExt cx="12192000" cy="1977497"/>
+          </a:xfrm>
+        </p:grpSpPr>
+        <p:sp>
+          <p:nvSpPr>
+            <p:cNvPr id="5" name="직각 삼각형 4"/>
+            <p:cNvSpPr/>
+            <p:nvPr/>
+          </p:nvSpPr>
+          <p:spPr>
+            <a:xfrm>
+              <a:off x="0" y="4880503"/>
+              <a:ext cx="12192000" cy="1977497"/>
+            </a:xfrm>
+            <a:prstGeom prst="rtTriangle">
+              <a:avLst/>
+            </a:prstGeom>
+            <a:solidFill>
+              <a:schemeClr val="accent1">
+                <a:lumMod val="25000"/>
+                <a:lumOff val="75000"/>
+              </a:schemeClr>
+            </a:solidFill>
+            <a:ln>
+              <a:noFill/>
+            </a:ln>
+          </p:spPr>
+          <p:style>
+            <a:lnRef idx="2">
+              <a:schemeClr val="accent1">
+                <a:shade val="50000"/>
+              </a:schemeClr>
+            </a:lnRef>
+            <a:fillRef idx="1">
+              <a:schemeClr val="accent1"/>
+            </a:fillRef>
+            <a:effectRef idx="0">
+              <a:schemeClr val="accent1"/>
+            </a:effectRef>
+            <a:fontRef idx="minor">
+              <a:schemeClr val="lt1"/>
+            </a:fontRef>
+          </p:style>
+          <p:txBody>
+            <a:bodyPr rtlCol="0" anchor="ctr"/>
+            <a:lstStyle/>
+            <a:p>
+              <a:pPr algn="ctr"/>
+              <a:endParaRPr lang="ko-KR" altLang="en-US"/>
+            </a:p>
+          </p:txBody>
+        </p:sp>
+        <p:sp>
+          <p:nvSpPr>
+            <p:cNvPr id="6" name="직각 삼각형 5"/>
+            <p:cNvSpPr/>
+            <p:nvPr/>
+          </p:nvSpPr>
+          <p:spPr>
+            <a:xfrm>
+              <a:off x="0" y="5470358"/>
+              <a:ext cx="12192000" cy="1387642"/>
+            </a:xfrm>
+            <a:prstGeom prst="rtTriangle">
+              <a:avLst/>
+            </a:prstGeom>
+            <a:solidFill>
+              <a:schemeClr val="accent1">
+                <a:lumMod val="75000"/>
+                <a:lumOff val="25000"/>
+              </a:schemeClr>
+            </a:solidFill>
+            <a:ln>
+              <a:noFill/>
+            </a:ln>
+          </p:spPr>
+          <p:style>
+            <a:lnRef idx="2">
+              <a:schemeClr val="accent1">
+                <a:shade val="50000"/>
+              </a:schemeClr>
+            </a:lnRef>
+            <a:fillRef idx="1">
+              <a:schemeClr val="accent1"/>
+            </a:fillRef>
+            <a:effectRef idx="0">
+              <a:schemeClr val="accent1"/>
+            </a:effectRef>
+            <a:fontRef idx="minor">
+              <a:schemeClr val="lt1"/>
+            </a:fontRef>
+          </p:style>
+          <p:txBody>
+            <a:bodyPr rtlCol="0" anchor="ctr"/>
+            <a:lstStyle/>
+            <a:p>
+              <a:pPr algn="ctr"/>
+              <a:endParaRPr lang="ko-KR" altLang="en-US"/>
+            </a:p>
+          </p:txBody>
+        </p:sp>
+      </p:grpSp>
+      <p:sp>
+        <p:nvSpPr>
+          <p:cNvPr id="8" name="TextBox 7">
+            <a:extLst>
+              <a:ext uri="{FF2B5EF4-FFF2-40B4-BE49-F238E27FC236}">
+                <a16:creationId xmlns:a16="http://schemas.microsoft.com/office/drawing/2014/main" id="{3E95F627-55D1-E011-B02F-83023BB3539B}"/>
+              </a:ext>
+            </a:extLst>
+          </p:cNvPr>
+          <p:cNvSpPr txBox="1"/>
+          <p:nvPr/>
+        </p:nvSpPr>
+        <p:spPr>
+          <a:xfrm>
+            <a:off x="535884" y="968260"/>
             <a:ext cx="3029069" cy="430887"/>
           </a:xfrm>
           <a:prstGeom prst="rect">
@@ -6092,7 +6416,7 @@
 </p:sld>
 </file>
 
-<file path=ppt/slides/slide13.xml><?xml version="1.0" encoding="utf-8"?>
+<file path=ppt/slides/slide14.xml><?xml version="1.0" encoding="utf-8"?>
 <p:sld xmlns:a="http://schemas.openxmlformats.org/drawingml/2006/main" xmlns:r="http://schemas.openxmlformats.org/officeDocument/2006/relationships" xmlns:p="http://schemas.openxmlformats.org/presentationml/2006/main">
   <p:cSld>
     <p:spTree>
@@ -6415,7 +6739,7 @@
 </p:sld>
 </file>
 
-<file path=ppt/slides/slide14.xml><?xml version="1.0" encoding="utf-8"?>
+<file path=ppt/slides/slide15.xml><?xml version="1.0" encoding="utf-8"?>
 <p:sld xmlns:a="http://schemas.openxmlformats.org/drawingml/2006/main" xmlns:r="http://schemas.openxmlformats.org/officeDocument/2006/relationships" xmlns:p="http://schemas.openxmlformats.org/presentationml/2006/main">
   <p:cSld>
     <p:spTree>
@@ -6954,7 +7278,7 @@
 </p:sld>
 </file>
 
-<file path=ppt/slides/slide15.xml><?xml version="1.0" encoding="utf-8"?>
+<file path=ppt/slides/slide16.xml><?xml version="1.0" encoding="utf-8"?>
 <p:sld xmlns:a="http://schemas.openxmlformats.org/drawingml/2006/main" xmlns:r="http://schemas.openxmlformats.org/officeDocument/2006/relationships" xmlns:p="http://schemas.openxmlformats.org/presentationml/2006/main">
   <p:cSld>
     <p:spTree>
@@ -7284,7 +7608,7 @@
 </p:sld>
 </file>
 
-<file path=ppt/slides/slide16.xml><?xml version="1.0" encoding="utf-8"?>
+<file path=ppt/slides/slide17.xml><?xml version="1.0" encoding="utf-8"?>
 <p:sld xmlns:a="http://schemas.openxmlformats.org/drawingml/2006/main" xmlns:r="http://schemas.openxmlformats.org/officeDocument/2006/relationships" xmlns:p="http://schemas.openxmlformats.org/presentationml/2006/main">
   <p:cSld>
     <p:spTree>
@@ -7666,7 +7990,7 @@
 </p:sld>
 </file>
 
-<file path=ppt/slides/slide17.xml><?xml version="1.0" encoding="utf-8"?>
+<file path=ppt/slides/slide18.xml><?xml version="1.0" encoding="utf-8"?>
 <p:sld xmlns:a="http://schemas.openxmlformats.org/drawingml/2006/main" xmlns:r="http://schemas.openxmlformats.org/officeDocument/2006/relationships" xmlns:p="http://schemas.openxmlformats.org/presentationml/2006/main">
   <p:cSld>
     <p:spTree>
@@ -8221,7 +8545,7 @@
 </p:sld>
 </file>
 
-<file path=ppt/slides/slide18.xml><?xml version="1.0" encoding="utf-8"?>
+<file path=ppt/slides/slide19.xml><?xml version="1.0" encoding="utf-8"?>
 <p:sld xmlns:a="http://schemas.openxmlformats.org/drawingml/2006/main" xmlns:r="http://schemas.openxmlformats.org/officeDocument/2006/relationships" xmlns:p="http://schemas.openxmlformats.org/presentationml/2006/main">
   <p:cSld>
     <p:spTree>
@@ -8557,419 +8881,6 @@
     <p:extLst>
       <p:ext uri="{BB962C8B-B14F-4D97-AF65-F5344CB8AC3E}">
         <p14:creationId xmlns:p14="http://schemas.microsoft.com/office/powerpoint/2010/main" val="980406759"/>
-      </p:ext>
-    </p:extLst>
-  </p:cSld>
-  <p:clrMapOvr>
-    <a:masterClrMapping/>
-  </p:clrMapOvr>
-  <mc:AlternateContent xmlns:mc="http://schemas.openxmlformats.org/markup-compatibility/2006" xmlns:p14="http://schemas.microsoft.com/office/powerpoint/2010/main">
-    <mc:Choice Requires="p14">
-      <p:transition p14:dur="0"/>
-    </mc:Choice>
-    <mc:Fallback xmlns="">
-      <p:transition/>
-    </mc:Fallback>
-  </mc:AlternateContent>
-  <p:timing>
-    <p:tnLst>
-      <p:par>
-        <p:cTn id="1" dur="indefinite" restart="never" nodeType="tmRoot"/>
-      </p:par>
-    </p:tnLst>
-  </p:timing>
-</p:sld>
-</file>
-
-<file path=ppt/slides/slide19.xml><?xml version="1.0" encoding="utf-8"?>
-<p:sld xmlns:a="http://schemas.openxmlformats.org/drawingml/2006/main" xmlns:r="http://schemas.openxmlformats.org/officeDocument/2006/relationships" xmlns:p="http://schemas.openxmlformats.org/presentationml/2006/main">
-  <p:cSld>
-    <p:spTree>
-      <p:nvGrpSpPr>
-        <p:cNvPr id="1" name=""/>
-        <p:cNvGrpSpPr/>
-        <p:nvPr/>
-      </p:nvGrpSpPr>
-      <p:grpSpPr>
-        <a:xfrm>
-          <a:off x="0" y="0"/>
-          <a:ext cx="0" cy="0"/>
-          <a:chOff x="0" y="0"/>
-          <a:chExt cx="0" cy="0"/>
-        </a:xfrm>
-      </p:grpSpPr>
-      <p:cxnSp>
-        <p:nvCxnSpPr>
-          <p:cNvPr id="24" name="직선 연결선 23">
-            <a:extLst>
-              <a:ext uri="{FF2B5EF4-FFF2-40B4-BE49-F238E27FC236}">
-                <a16:creationId xmlns:a16="http://schemas.microsoft.com/office/drawing/2014/main" id="{DB9D2B11-1A0A-71AC-476F-0FE7FAC4C718}"/>
-              </a:ext>
-            </a:extLst>
-          </p:cNvPr>
-          <p:cNvCxnSpPr/>
-          <p:nvPr/>
-        </p:nvCxnSpPr>
-        <p:spPr>
-          <a:xfrm>
-            <a:off x="568714" y="390293"/>
-            <a:ext cx="6634975" cy="0"/>
-          </a:xfrm>
-          <a:prstGeom prst="line">
-            <a:avLst/>
-          </a:prstGeom>
-          <a:ln>
-            <a:solidFill>
-              <a:schemeClr val="tx1">
-                <a:lumMod val="75000"/>
-                <a:lumOff val="25000"/>
-              </a:schemeClr>
-            </a:solidFill>
-          </a:ln>
-        </p:spPr>
-        <p:style>
-          <a:lnRef idx="1">
-            <a:schemeClr val="accent1"/>
-          </a:lnRef>
-          <a:fillRef idx="0">
-            <a:schemeClr val="accent1"/>
-          </a:fillRef>
-          <a:effectRef idx="0">
-            <a:schemeClr val="accent1"/>
-          </a:effectRef>
-          <a:fontRef idx="minor">
-            <a:schemeClr val="tx1"/>
-          </a:fontRef>
-        </p:style>
-      </p:cxnSp>
-      <p:sp>
-        <p:nvSpPr>
-          <p:cNvPr id="25" name="TextBox 24">
-            <a:extLst>
-              <a:ext uri="{FF2B5EF4-FFF2-40B4-BE49-F238E27FC236}">
-                <a16:creationId xmlns:a16="http://schemas.microsoft.com/office/drawing/2014/main" id="{3E95F627-55D1-E011-B02F-83023BB3539B}"/>
-              </a:ext>
-            </a:extLst>
-          </p:cNvPr>
-          <p:cNvSpPr txBox="1"/>
-          <p:nvPr/>
-        </p:nvSpPr>
-        <p:spPr>
-          <a:xfrm>
-            <a:off x="535884" y="436686"/>
-            <a:ext cx="3682418" cy="630942"/>
-          </a:xfrm>
-          <a:prstGeom prst="rect">
-            <a:avLst/>
-          </a:prstGeom>
-          <a:noFill/>
-        </p:spPr>
-        <p:txBody>
-          <a:bodyPr wrap="none" rtlCol="0">
-            <a:spAutoFit/>
-          </a:bodyPr>
-          <a:lstStyle/>
-          <a:p>
-            <a:r>
-              <a:rPr lang="ko-KR" altLang="en-US" sz="3500" b="1" dirty="0" smtClean="0">
-                <a:latin typeface="나눔고딕 ExtraBold" panose="020D0904000000000000" pitchFamily="50" charset="-127"/>
-                <a:ea typeface="나눔고딕 ExtraBold" panose="020D0904000000000000" pitchFamily="50" charset="-127"/>
-              </a:rPr>
-              <a:t>프로젝트 </a:t>
-            </a:r>
-            <a:r>
-              <a:rPr lang="ko-KR" altLang="en-US" sz="3500" b="1" dirty="0" err="1" smtClean="0">
-                <a:latin typeface="나눔고딕 ExtraBold" panose="020D0904000000000000" pitchFamily="50" charset="-127"/>
-                <a:ea typeface="나눔고딕 ExtraBold" panose="020D0904000000000000" pitchFamily="50" charset="-127"/>
-              </a:rPr>
-              <a:t>수행결과</a:t>
-            </a:r>
-            <a:endParaRPr lang="ko-KR" altLang="en-US" sz="3500" b="1" dirty="0">
-              <a:latin typeface="나눔고딕 ExtraBold" panose="020D0904000000000000" pitchFamily="50" charset="-127"/>
-              <a:ea typeface="나눔고딕 ExtraBold" panose="020D0904000000000000" pitchFamily="50" charset="-127"/>
-            </a:endParaRPr>
-          </a:p>
-        </p:txBody>
-      </p:sp>
-      <p:grpSp>
-        <p:nvGrpSpPr>
-          <p:cNvPr id="4" name="그룹 3"/>
-          <p:cNvGrpSpPr/>
-          <p:nvPr/>
-        </p:nvGrpSpPr>
-        <p:grpSpPr>
-          <a:xfrm>
-            <a:off x="0" y="4880503"/>
-            <a:ext cx="12192000" cy="1977497"/>
-            <a:chOff x="0" y="4880503"/>
-            <a:chExt cx="12192000" cy="1977497"/>
-          </a:xfrm>
-        </p:grpSpPr>
-        <p:sp>
-          <p:nvSpPr>
-            <p:cNvPr id="5" name="직각 삼각형 4"/>
-            <p:cNvSpPr/>
-            <p:nvPr/>
-          </p:nvSpPr>
-          <p:spPr>
-            <a:xfrm>
-              <a:off x="0" y="4880503"/>
-              <a:ext cx="12192000" cy="1977497"/>
-            </a:xfrm>
-            <a:prstGeom prst="rtTriangle">
-              <a:avLst/>
-            </a:prstGeom>
-            <a:solidFill>
-              <a:schemeClr val="accent1">
-                <a:lumMod val="25000"/>
-                <a:lumOff val="75000"/>
-              </a:schemeClr>
-            </a:solidFill>
-            <a:ln>
-              <a:noFill/>
-            </a:ln>
-          </p:spPr>
-          <p:style>
-            <a:lnRef idx="2">
-              <a:schemeClr val="accent1">
-                <a:shade val="50000"/>
-              </a:schemeClr>
-            </a:lnRef>
-            <a:fillRef idx="1">
-              <a:schemeClr val="accent1"/>
-            </a:fillRef>
-            <a:effectRef idx="0">
-              <a:schemeClr val="accent1"/>
-            </a:effectRef>
-            <a:fontRef idx="minor">
-              <a:schemeClr val="lt1"/>
-            </a:fontRef>
-          </p:style>
-          <p:txBody>
-            <a:bodyPr rtlCol="0" anchor="ctr"/>
-            <a:lstStyle/>
-            <a:p>
-              <a:pPr algn="ctr"/>
-              <a:endParaRPr lang="ko-KR" altLang="en-US"/>
-            </a:p>
-          </p:txBody>
-        </p:sp>
-        <p:sp>
-          <p:nvSpPr>
-            <p:cNvPr id="6" name="직각 삼각형 5"/>
-            <p:cNvSpPr/>
-            <p:nvPr/>
-          </p:nvSpPr>
-          <p:spPr>
-            <a:xfrm>
-              <a:off x="0" y="5470358"/>
-              <a:ext cx="12192000" cy="1387642"/>
-            </a:xfrm>
-            <a:prstGeom prst="rtTriangle">
-              <a:avLst/>
-            </a:prstGeom>
-            <a:solidFill>
-              <a:schemeClr val="accent1">
-                <a:lumMod val="75000"/>
-                <a:lumOff val="25000"/>
-              </a:schemeClr>
-            </a:solidFill>
-            <a:ln>
-              <a:noFill/>
-            </a:ln>
-          </p:spPr>
-          <p:style>
-            <a:lnRef idx="2">
-              <a:schemeClr val="accent1">
-                <a:shade val="50000"/>
-              </a:schemeClr>
-            </a:lnRef>
-            <a:fillRef idx="1">
-              <a:schemeClr val="accent1"/>
-            </a:fillRef>
-            <a:effectRef idx="0">
-              <a:schemeClr val="accent1"/>
-            </a:effectRef>
-            <a:fontRef idx="minor">
-              <a:schemeClr val="lt1"/>
-            </a:fontRef>
-          </p:style>
-          <p:txBody>
-            <a:bodyPr rtlCol="0" anchor="ctr"/>
-            <a:lstStyle/>
-            <a:p>
-              <a:pPr algn="ctr"/>
-              <a:endParaRPr lang="ko-KR" altLang="en-US"/>
-            </a:p>
-          </p:txBody>
-        </p:sp>
-      </p:grpSp>
-      <p:pic>
-        <p:nvPicPr>
-          <p:cNvPr id="3" name="그림 2"/>
-          <p:cNvPicPr>
-            <a:picLocks noChangeAspect="1"/>
-          </p:cNvPicPr>
-          <p:nvPr/>
-        </p:nvPicPr>
-        <p:blipFill>
-          <a:blip r:embed="rId2">
-            <a:extLst>
-              <a:ext uri="{28A0092B-C50C-407E-A947-70E740481C1C}">
-                <a14:useLocalDpi xmlns:a14="http://schemas.microsoft.com/office/drawing/2010/main" val="0"/>
-              </a:ext>
-            </a:extLst>
-          </a:blip>
-          <a:stretch>
-            <a:fillRect/>
-          </a:stretch>
-        </p:blipFill>
-        <p:spPr>
-          <a:xfrm>
-            <a:off x="232853" y="1399147"/>
-            <a:ext cx="7306695" cy="4829849"/>
-          </a:xfrm>
-          <a:prstGeom prst="rect">
-            <a:avLst/>
-          </a:prstGeom>
-        </p:spPr>
-      </p:pic>
-      <p:pic>
-        <p:nvPicPr>
-          <p:cNvPr id="7" name="그림 6"/>
-          <p:cNvPicPr>
-            <a:picLocks noChangeAspect="1"/>
-          </p:cNvPicPr>
-          <p:nvPr/>
-        </p:nvPicPr>
-        <p:blipFill>
-          <a:blip r:embed="rId3">
-            <a:extLst>
-              <a:ext uri="{28A0092B-C50C-407E-A947-70E740481C1C}">
-                <a14:useLocalDpi xmlns:a14="http://schemas.microsoft.com/office/drawing/2010/main" val="0"/>
-              </a:ext>
-            </a:extLst>
-          </a:blip>
-          <a:stretch>
-            <a:fillRect/>
-          </a:stretch>
-        </p:blipFill>
-        <p:spPr>
-          <a:xfrm>
-            <a:off x="6933146" y="2089198"/>
-            <a:ext cx="5029902" cy="381053"/>
-          </a:xfrm>
-          <a:prstGeom prst="rect">
-            <a:avLst/>
-          </a:prstGeom>
-        </p:spPr>
-      </p:pic>
-      <p:sp>
-        <p:nvSpPr>
-          <p:cNvPr id="10" name="TextBox 9">
-            <a:extLst>
-              <a:ext uri="{FF2B5EF4-FFF2-40B4-BE49-F238E27FC236}">
-                <a16:creationId xmlns:a16="http://schemas.microsoft.com/office/drawing/2014/main" id="{3E95F627-55D1-E011-B02F-83023BB3539B}"/>
-              </a:ext>
-            </a:extLst>
-          </p:cNvPr>
-          <p:cNvSpPr txBox="1"/>
-          <p:nvPr/>
-        </p:nvSpPr>
-        <p:spPr>
-          <a:xfrm>
-            <a:off x="535884" y="968260"/>
-            <a:ext cx="4182765" cy="430887"/>
-          </a:xfrm>
-          <a:prstGeom prst="rect">
-            <a:avLst/>
-          </a:prstGeom>
-          <a:noFill/>
-        </p:spPr>
-        <p:txBody>
-          <a:bodyPr wrap="square" rtlCol="0">
-            <a:spAutoFit/>
-          </a:bodyPr>
-          <a:lstStyle/>
-          <a:p>
-            <a:r>
-              <a:rPr lang="ko-KR" altLang="en-US" sz="2200" b="1" dirty="0" smtClean="0">
-                <a:latin typeface="나눔고딕 ExtraBold" panose="020D0904000000000000" pitchFamily="50" charset="-127"/>
-                <a:ea typeface="나눔고딕 ExtraBold" panose="020D0904000000000000" pitchFamily="50" charset="-127"/>
-              </a:rPr>
-              <a:t>프로시저 생성 및 결과</a:t>
-            </a:r>
-            <a:endParaRPr lang="ko-KR" altLang="en-US" sz="2200" b="1" dirty="0">
-              <a:latin typeface="나눔고딕 ExtraBold" panose="020D0904000000000000" pitchFamily="50" charset="-127"/>
-              <a:ea typeface="나눔고딕 ExtraBold" panose="020D0904000000000000" pitchFamily="50" charset="-127"/>
-            </a:endParaRPr>
-          </a:p>
-        </p:txBody>
-      </p:sp>
-      <p:pic>
-        <p:nvPicPr>
-          <p:cNvPr id="9" name="그림 8"/>
-          <p:cNvPicPr>
-            <a:picLocks noChangeAspect="1"/>
-          </p:cNvPicPr>
-          <p:nvPr/>
-        </p:nvPicPr>
-        <p:blipFill>
-          <a:blip r:embed="rId4">
-            <a:extLst>
-              <a:ext uri="{28A0092B-C50C-407E-A947-70E740481C1C}">
-                <a14:useLocalDpi xmlns:a14="http://schemas.microsoft.com/office/drawing/2010/main" val="0"/>
-              </a:ext>
-            </a:extLst>
-          </a:blip>
-          <a:stretch>
-            <a:fillRect/>
-          </a:stretch>
-        </p:blipFill>
-        <p:spPr>
-          <a:xfrm>
-            <a:off x="6956962" y="4489923"/>
-            <a:ext cx="5077534" cy="390580"/>
-          </a:xfrm>
-          <a:prstGeom prst="rect">
-            <a:avLst/>
-          </a:prstGeom>
-        </p:spPr>
-      </p:pic>
-      <p:pic>
-        <p:nvPicPr>
-          <p:cNvPr id="2" name="그림 1"/>
-          <p:cNvPicPr>
-            <a:picLocks noChangeAspect="1"/>
-          </p:cNvPicPr>
-          <p:nvPr/>
-        </p:nvPicPr>
-        <p:blipFill>
-          <a:blip r:embed="rId5">
-            <a:extLst>
-              <a:ext uri="{28A0092B-C50C-407E-A947-70E740481C1C}">
-                <a14:useLocalDpi xmlns:a14="http://schemas.microsoft.com/office/drawing/2010/main" val="0"/>
-              </a:ext>
-            </a:extLst>
-          </a:blip>
-          <a:stretch>
-            <a:fillRect/>
-          </a:stretch>
-        </p:blipFill>
-        <p:spPr>
-          <a:xfrm>
-            <a:off x="6885514" y="3060106"/>
-            <a:ext cx="5077534" cy="362001"/>
-          </a:xfrm>
-          <a:prstGeom prst="rect">
-            <a:avLst/>
-          </a:prstGeom>
-        </p:spPr>
-      </p:pic>
-    </p:spTree>
-    <p:extLst>
-      <p:ext uri="{BB962C8B-B14F-4D97-AF65-F5344CB8AC3E}">
-        <p14:creationId xmlns:p14="http://schemas.microsoft.com/office/powerpoint/2010/main" val="4279857090"/>
       </p:ext>
     </p:extLst>
   </p:cSld>
@@ -10251,7 +10162,7 @@
       </p:grpSp>
       <p:pic>
         <p:nvPicPr>
-          <p:cNvPr id="2" name="그림 1"/>
+          <p:cNvPr id="3" name="그림 2"/>
           <p:cNvPicPr>
             <a:picLocks noChangeAspect="1"/>
           </p:cNvPicPr>
@@ -10271,8 +10182,8 @@
         </p:blipFill>
         <p:spPr>
           <a:xfrm>
-            <a:off x="6596227" y="2824078"/>
-            <a:ext cx="4020111" cy="1209844"/>
+            <a:off x="232853" y="1399147"/>
+            <a:ext cx="7306695" cy="4829849"/>
           </a:xfrm>
           <a:prstGeom prst="rect">
             <a:avLst/>
@@ -10281,7 +10192,7 @@
       </p:pic>
       <p:pic>
         <p:nvPicPr>
-          <p:cNvPr id="3" name="그림 2"/>
+          <p:cNvPr id="7" name="그림 6"/>
           <p:cNvPicPr>
             <a:picLocks noChangeAspect="1"/>
           </p:cNvPicPr>
@@ -10301,8 +10212,8 @@
         </p:blipFill>
         <p:spPr>
           <a:xfrm>
-            <a:off x="601605" y="1580892"/>
-            <a:ext cx="5191850" cy="3696216"/>
+            <a:off x="6933146" y="2089198"/>
+            <a:ext cx="5029902" cy="381053"/>
           </a:xfrm>
           <a:prstGeom prst="rect">
             <a:avLst/>
@@ -10311,7 +10222,7 @@
       </p:pic>
       <p:sp>
         <p:nvSpPr>
-          <p:cNvPr id="9" name="TextBox 8">
+          <p:cNvPr id="10" name="TextBox 9">
             <a:extLst>
               <a:ext uri="{FF2B5EF4-FFF2-40B4-BE49-F238E27FC236}">
                 <a16:creationId xmlns:a16="http://schemas.microsoft.com/office/drawing/2014/main" id="{3E95F627-55D1-E011-B02F-83023BB3539B}"/>
@@ -10342,7 +10253,7 @@
                 <a:latin typeface="나눔고딕 ExtraBold" panose="020D0904000000000000" pitchFamily="50" charset="-127"/>
                 <a:ea typeface="나눔고딕 ExtraBold" panose="020D0904000000000000" pitchFamily="50" charset="-127"/>
               </a:rPr>
-              <a:t>트리거 생성 및 결과</a:t>
+              <a:t>프로시저 생성 및 결과</a:t>
             </a:r>
             <a:endParaRPr lang="ko-KR" altLang="en-US" sz="2200" b="1" dirty="0">
               <a:latin typeface="나눔고딕 ExtraBold" panose="020D0904000000000000" pitchFamily="50" charset="-127"/>
@@ -10351,10 +10262,70 @@
           </a:p>
         </p:txBody>
       </p:sp>
+      <p:pic>
+        <p:nvPicPr>
+          <p:cNvPr id="9" name="그림 8"/>
+          <p:cNvPicPr>
+            <a:picLocks noChangeAspect="1"/>
+          </p:cNvPicPr>
+          <p:nvPr/>
+        </p:nvPicPr>
+        <p:blipFill>
+          <a:blip r:embed="rId4">
+            <a:extLst>
+              <a:ext uri="{28A0092B-C50C-407E-A947-70E740481C1C}">
+                <a14:useLocalDpi xmlns:a14="http://schemas.microsoft.com/office/drawing/2010/main" val="0"/>
+              </a:ext>
+            </a:extLst>
+          </a:blip>
+          <a:stretch>
+            <a:fillRect/>
+          </a:stretch>
+        </p:blipFill>
+        <p:spPr>
+          <a:xfrm>
+            <a:off x="6956962" y="4489923"/>
+            <a:ext cx="5077534" cy="390580"/>
+          </a:xfrm>
+          <a:prstGeom prst="rect">
+            <a:avLst/>
+          </a:prstGeom>
+        </p:spPr>
+      </p:pic>
+      <p:pic>
+        <p:nvPicPr>
+          <p:cNvPr id="2" name="그림 1"/>
+          <p:cNvPicPr>
+            <a:picLocks noChangeAspect="1"/>
+          </p:cNvPicPr>
+          <p:nvPr/>
+        </p:nvPicPr>
+        <p:blipFill>
+          <a:blip r:embed="rId5">
+            <a:extLst>
+              <a:ext uri="{28A0092B-C50C-407E-A947-70E740481C1C}">
+                <a14:useLocalDpi xmlns:a14="http://schemas.microsoft.com/office/drawing/2010/main" val="0"/>
+              </a:ext>
+            </a:extLst>
+          </a:blip>
+          <a:stretch>
+            <a:fillRect/>
+          </a:stretch>
+        </p:blipFill>
+        <p:spPr>
+          <a:xfrm>
+            <a:off x="6885514" y="3060106"/>
+            <a:ext cx="5077534" cy="362001"/>
+          </a:xfrm>
+          <a:prstGeom prst="rect">
+            <a:avLst/>
+          </a:prstGeom>
+        </p:spPr>
+      </p:pic>
     </p:spTree>
     <p:extLst>
       <p:ext uri="{BB962C8B-B14F-4D97-AF65-F5344CB8AC3E}">
-        <p14:creationId xmlns:p14="http://schemas.microsoft.com/office/powerpoint/2010/main" val="2441083366"/>
+        <p14:creationId xmlns:p14="http://schemas.microsoft.com/office/powerpoint/2010/main" val="4279857090"/>
       </p:ext>
     </p:extLst>
   </p:cSld>
@@ -10396,6 +10367,359 @@
           <a:chExt cx="0" cy="0"/>
         </a:xfrm>
       </p:grpSpPr>
+      <p:cxnSp>
+        <p:nvCxnSpPr>
+          <p:cNvPr id="24" name="직선 연결선 23">
+            <a:extLst>
+              <a:ext uri="{FF2B5EF4-FFF2-40B4-BE49-F238E27FC236}">
+                <a16:creationId xmlns:a16="http://schemas.microsoft.com/office/drawing/2014/main" id="{DB9D2B11-1A0A-71AC-476F-0FE7FAC4C718}"/>
+              </a:ext>
+            </a:extLst>
+          </p:cNvPr>
+          <p:cNvCxnSpPr/>
+          <p:nvPr/>
+        </p:nvCxnSpPr>
+        <p:spPr>
+          <a:xfrm>
+            <a:off x="568714" y="390293"/>
+            <a:ext cx="6634975" cy="0"/>
+          </a:xfrm>
+          <a:prstGeom prst="line">
+            <a:avLst/>
+          </a:prstGeom>
+          <a:ln>
+            <a:solidFill>
+              <a:schemeClr val="tx1">
+                <a:lumMod val="75000"/>
+                <a:lumOff val="25000"/>
+              </a:schemeClr>
+            </a:solidFill>
+          </a:ln>
+        </p:spPr>
+        <p:style>
+          <a:lnRef idx="1">
+            <a:schemeClr val="accent1"/>
+          </a:lnRef>
+          <a:fillRef idx="0">
+            <a:schemeClr val="accent1"/>
+          </a:fillRef>
+          <a:effectRef idx="0">
+            <a:schemeClr val="accent1"/>
+          </a:effectRef>
+          <a:fontRef idx="minor">
+            <a:schemeClr val="tx1"/>
+          </a:fontRef>
+        </p:style>
+      </p:cxnSp>
+      <p:sp>
+        <p:nvSpPr>
+          <p:cNvPr id="25" name="TextBox 24">
+            <a:extLst>
+              <a:ext uri="{FF2B5EF4-FFF2-40B4-BE49-F238E27FC236}">
+                <a16:creationId xmlns:a16="http://schemas.microsoft.com/office/drawing/2014/main" id="{3E95F627-55D1-E011-B02F-83023BB3539B}"/>
+              </a:ext>
+            </a:extLst>
+          </p:cNvPr>
+          <p:cNvSpPr txBox="1"/>
+          <p:nvPr/>
+        </p:nvSpPr>
+        <p:spPr>
+          <a:xfrm>
+            <a:off x="535884" y="436686"/>
+            <a:ext cx="3682418" cy="630942"/>
+          </a:xfrm>
+          <a:prstGeom prst="rect">
+            <a:avLst/>
+          </a:prstGeom>
+          <a:noFill/>
+        </p:spPr>
+        <p:txBody>
+          <a:bodyPr wrap="none" rtlCol="0">
+            <a:spAutoFit/>
+          </a:bodyPr>
+          <a:lstStyle/>
+          <a:p>
+            <a:r>
+              <a:rPr lang="ko-KR" altLang="en-US" sz="3500" b="1" dirty="0" smtClean="0">
+                <a:latin typeface="나눔고딕 ExtraBold" panose="020D0904000000000000" pitchFamily="50" charset="-127"/>
+                <a:ea typeface="나눔고딕 ExtraBold" panose="020D0904000000000000" pitchFamily="50" charset="-127"/>
+              </a:rPr>
+              <a:t>프로젝트 </a:t>
+            </a:r>
+            <a:r>
+              <a:rPr lang="ko-KR" altLang="en-US" sz="3500" b="1" dirty="0" err="1" smtClean="0">
+                <a:latin typeface="나눔고딕 ExtraBold" panose="020D0904000000000000" pitchFamily="50" charset="-127"/>
+                <a:ea typeface="나눔고딕 ExtraBold" panose="020D0904000000000000" pitchFamily="50" charset="-127"/>
+              </a:rPr>
+              <a:t>수행결과</a:t>
+            </a:r>
+            <a:endParaRPr lang="ko-KR" altLang="en-US" sz="3500" b="1" dirty="0">
+              <a:latin typeface="나눔고딕 ExtraBold" panose="020D0904000000000000" pitchFamily="50" charset="-127"/>
+              <a:ea typeface="나눔고딕 ExtraBold" panose="020D0904000000000000" pitchFamily="50" charset="-127"/>
+            </a:endParaRPr>
+          </a:p>
+        </p:txBody>
+      </p:sp>
+      <p:grpSp>
+        <p:nvGrpSpPr>
+          <p:cNvPr id="4" name="그룹 3"/>
+          <p:cNvGrpSpPr/>
+          <p:nvPr/>
+        </p:nvGrpSpPr>
+        <p:grpSpPr>
+          <a:xfrm>
+            <a:off x="0" y="4880503"/>
+            <a:ext cx="12192000" cy="1977497"/>
+            <a:chOff x="0" y="4880503"/>
+            <a:chExt cx="12192000" cy="1977497"/>
+          </a:xfrm>
+        </p:grpSpPr>
+        <p:sp>
+          <p:nvSpPr>
+            <p:cNvPr id="5" name="직각 삼각형 4"/>
+            <p:cNvSpPr/>
+            <p:nvPr/>
+          </p:nvSpPr>
+          <p:spPr>
+            <a:xfrm>
+              <a:off x="0" y="4880503"/>
+              <a:ext cx="12192000" cy="1977497"/>
+            </a:xfrm>
+            <a:prstGeom prst="rtTriangle">
+              <a:avLst/>
+            </a:prstGeom>
+            <a:solidFill>
+              <a:schemeClr val="accent1">
+                <a:lumMod val="25000"/>
+                <a:lumOff val="75000"/>
+              </a:schemeClr>
+            </a:solidFill>
+            <a:ln>
+              <a:noFill/>
+            </a:ln>
+          </p:spPr>
+          <p:style>
+            <a:lnRef idx="2">
+              <a:schemeClr val="accent1">
+                <a:shade val="50000"/>
+              </a:schemeClr>
+            </a:lnRef>
+            <a:fillRef idx="1">
+              <a:schemeClr val="accent1"/>
+            </a:fillRef>
+            <a:effectRef idx="0">
+              <a:schemeClr val="accent1"/>
+            </a:effectRef>
+            <a:fontRef idx="minor">
+              <a:schemeClr val="lt1"/>
+            </a:fontRef>
+          </p:style>
+          <p:txBody>
+            <a:bodyPr rtlCol="0" anchor="ctr"/>
+            <a:lstStyle/>
+            <a:p>
+              <a:pPr algn="ctr"/>
+              <a:endParaRPr lang="ko-KR" altLang="en-US"/>
+            </a:p>
+          </p:txBody>
+        </p:sp>
+        <p:sp>
+          <p:nvSpPr>
+            <p:cNvPr id="6" name="직각 삼각형 5"/>
+            <p:cNvSpPr/>
+            <p:nvPr/>
+          </p:nvSpPr>
+          <p:spPr>
+            <a:xfrm>
+              <a:off x="0" y="5470358"/>
+              <a:ext cx="12192000" cy="1387642"/>
+            </a:xfrm>
+            <a:prstGeom prst="rtTriangle">
+              <a:avLst/>
+            </a:prstGeom>
+            <a:solidFill>
+              <a:schemeClr val="accent1">
+                <a:lumMod val="75000"/>
+                <a:lumOff val="25000"/>
+              </a:schemeClr>
+            </a:solidFill>
+            <a:ln>
+              <a:noFill/>
+            </a:ln>
+          </p:spPr>
+          <p:style>
+            <a:lnRef idx="2">
+              <a:schemeClr val="accent1">
+                <a:shade val="50000"/>
+              </a:schemeClr>
+            </a:lnRef>
+            <a:fillRef idx="1">
+              <a:schemeClr val="accent1"/>
+            </a:fillRef>
+            <a:effectRef idx="0">
+              <a:schemeClr val="accent1"/>
+            </a:effectRef>
+            <a:fontRef idx="minor">
+              <a:schemeClr val="lt1"/>
+            </a:fontRef>
+          </p:style>
+          <p:txBody>
+            <a:bodyPr rtlCol="0" anchor="ctr"/>
+            <a:lstStyle/>
+            <a:p>
+              <a:pPr algn="ctr"/>
+              <a:endParaRPr lang="ko-KR" altLang="en-US"/>
+            </a:p>
+          </p:txBody>
+        </p:sp>
+      </p:grpSp>
+      <p:pic>
+        <p:nvPicPr>
+          <p:cNvPr id="2" name="그림 1"/>
+          <p:cNvPicPr>
+            <a:picLocks noChangeAspect="1"/>
+          </p:cNvPicPr>
+          <p:nvPr/>
+        </p:nvPicPr>
+        <p:blipFill>
+          <a:blip r:embed="rId2">
+            <a:extLst>
+              <a:ext uri="{28A0092B-C50C-407E-A947-70E740481C1C}">
+                <a14:useLocalDpi xmlns:a14="http://schemas.microsoft.com/office/drawing/2010/main" val="0"/>
+              </a:ext>
+            </a:extLst>
+          </a:blip>
+          <a:stretch>
+            <a:fillRect/>
+          </a:stretch>
+        </p:blipFill>
+        <p:spPr>
+          <a:xfrm>
+            <a:off x="6596227" y="2824078"/>
+            <a:ext cx="4020111" cy="1209844"/>
+          </a:xfrm>
+          <a:prstGeom prst="rect">
+            <a:avLst/>
+          </a:prstGeom>
+        </p:spPr>
+      </p:pic>
+      <p:pic>
+        <p:nvPicPr>
+          <p:cNvPr id="3" name="그림 2"/>
+          <p:cNvPicPr>
+            <a:picLocks noChangeAspect="1"/>
+          </p:cNvPicPr>
+          <p:nvPr/>
+        </p:nvPicPr>
+        <p:blipFill>
+          <a:blip r:embed="rId3">
+            <a:extLst>
+              <a:ext uri="{28A0092B-C50C-407E-A947-70E740481C1C}">
+                <a14:useLocalDpi xmlns:a14="http://schemas.microsoft.com/office/drawing/2010/main" val="0"/>
+              </a:ext>
+            </a:extLst>
+          </a:blip>
+          <a:stretch>
+            <a:fillRect/>
+          </a:stretch>
+        </p:blipFill>
+        <p:spPr>
+          <a:xfrm>
+            <a:off x="601605" y="1580892"/>
+            <a:ext cx="5191850" cy="3696216"/>
+          </a:xfrm>
+          <a:prstGeom prst="rect">
+            <a:avLst/>
+          </a:prstGeom>
+        </p:spPr>
+      </p:pic>
+      <p:sp>
+        <p:nvSpPr>
+          <p:cNvPr id="9" name="TextBox 8">
+            <a:extLst>
+              <a:ext uri="{FF2B5EF4-FFF2-40B4-BE49-F238E27FC236}">
+                <a16:creationId xmlns:a16="http://schemas.microsoft.com/office/drawing/2014/main" id="{3E95F627-55D1-E011-B02F-83023BB3539B}"/>
+              </a:ext>
+            </a:extLst>
+          </p:cNvPr>
+          <p:cNvSpPr txBox="1"/>
+          <p:nvPr/>
+        </p:nvSpPr>
+        <p:spPr>
+          <a:xfrm>
+            <a:off x="535884" y="968260"/>
+            <a:ext cx="4182765" cy="430887"/>
+          </a:xfrm>
+          <a:prstGeom prst="rect">
+            <a:avLst/>
+          </a:prstGeom>
+          <a:noFill/>
+        </p:spPr>
+        <p:txBody>
+          <a:bodyPr wrap="square" rtlCol="0">
+            <a:spAutoFit/>
+          </a:bodyPr>
+          <a:lstStyle/>
+          <a:p>
+            <a:r>
+              <a:rPr lang="ko-KR" altLang="en-US" sz="2200" b="1" dirty="0" smtClean="0">
+                <a:latin typeface="나눔고딕 ExtraBold" panose="020D0904000000000000" pitchFamily="50" charset="-127"/>
+                <a:ea typeface="나눔고딕 ExtraBold" panose="020D0904000000000000" pitchFamily="50" charset="-127"/>
+              </a:rPr>
+              <a:t>트리거 생성 및 결과</a:t>
+            </a:r>
+            <a:endParaRPr lang="ko-KR" altLang="en-US" sz="2200" b="1" dirty="0">
+              <a:latin typeface="나눔고딕 ExtraBold" panose="020D0904000000000000" pitchFamily="50" charset="-127"/>
+              <a:ea typeface="나눔고딕 ExtraBold" panose="020D0904000000000000" pitchFamily="50" charset="-127"/>
+            </a:endParaRPr>
+          </a:p>
+        </p:txBody>
+      </p:sp>
+    </p:spTree>
+    <p:extLst>
+      <p:ext uri="{BB962C8B-B14F-4D97-AF65-F5344CB8AC3E}">
+        <p14:creationId xmlns:p14="http://schemas.microsoft.com/office/powerpoint/2010/main" val="2441083366"/>
+      </p:ext>
+    </p:extLst>
+  </p:cSld>
+  <p:clrMapOvr>
+    <a:masterClrMapping/>
+  </p:clrMapOvr>
+  <mc:AlternateContent xmlns:mc="http://schemas.openxmlformats.org/markup-compatibility/2006" xmlns:p14="http://schemas.microsoft.com/office/powerpoint/2010/main">
+    <mc:Choice Requires="p14">
+      <p:transition p14:dur="0"/>
+    </mc:Choice>
+    <mc:Fallback xmlns="">
+      <p:transition/>
+    </mc:Fallback>
+  </mc:AlternateContent>
+  <p:timing>
+    <p:tnLst>
+      <p:par>
+        <p:cTn id="1" dur="indefinite" restart="never" nodeType="tmRoot"/>
+      </p:par>
+    </p:tnLst>
+  </p:timing>
+</p:sld>
+</file>
+
+<file path=ppt/slides/slide22.xml><?xml version="1.0" encoding="utf-8"?>
+<p:sld xmlns:a="http://schemas.openxmlformats.org/drawingml/2006/main" xmlns:r="http://schemas.openxmlformats.org/officeDocument/2006/relationships" xmlns:p="http://schemas.openxmlformats.org/presentationml/2006/main">
+  <p:cSld>
+    <p:spTree>
+      <p:nvGrpSpPr>
+        <p:cNvPr id="1" name=""/>
+        <p:cNvGrpSpPr/>
+        <p:nvPr/>
+      </p:nvGrpSpPr>
+      <p:grpSpPr>
+        <a:xfrm>
+          <a:off x="0" y="0"/>
+          <a:ext cx="0" cy="0"/>
+          <a:chOff x="0" y="0"/>
+          <a:chExt cx="0" cy="0"/>
+        </a:xfrm>
+      </p:grpSpPr>
       <p:pic>
         <p:nvPicPr>
           <p:cNvPr id="21" name="그림 20"/>
@@ -10540,7 +10864,7 @@
 </p:sld>
 </file>
 
-<file path=ppt/slides/slide22.xml><?xml version="1.0" encoding="utf-8"?>
+<file path=ppt/slides/slide23.xml><?xml version="1.0" encoding="utf-8"?>
 <p:sld xmlns:a="http://schemas.openxmlformats.org/drawingml/2006/main" xmlns:r="http://schemas.openxmlformats.org/officeDocument/2006/relationships" xmlns:p="http://schemas.openxmlformats.org/presentationml/2006/main">
   <p:cSld>
     <p:spTree>
@@ -12047,7 +12371,7 @@
     <mc:Choice Requires="p14">
       <p:transition p14:dur="0"/>
     </mc:Choice>
-    <mc:Fallback xmlns:dsp="http://schemas.microsoft.com/office/drawing/2008/diagram" xmlns:dgm="http://schemas.openxmlformats.org/drawingml/2006/diagram" xmlns:c="http://schemas.openxmlformats.org/drawingml/2006/chart" xmlns="">
+    <mc:Fallback xmlns="" xmlns:c="http://schemas.openxmlformats.org/drawingml/2006/chart" xmlns:dgm="http://schemas.openxmlformats.org/drawingml/2006/diagram" xmlns:dsp="http://schemas.microsoft.com/office/drawing/2008/diagram">
       <p:transition/>
     </mc:Fallback>
   </mc:AlternateContent>
@@ -12061,7 +12385,7 @@
 </p:sld>
 </file>
 
-<file path=ppt/slides/slide23.xml><?xml version="1.0" encoding="utf-8"?>
+<file path=ppt/slides/slide24.xml><?xml version="1.0" encoding="utf-8"?>
 <p:sld xmlns:a="http://schemas.openxmlformats.org/drawingml/2006/main" xmlns:r="http://schemas.openxmlformats.org/officeDocument/2006/relationships" xmlns:p="http://schemas.openxmlformats.org/presentationml/2006/main">
   <p:cSld>
     <p:spTree>

--- a/PPT템플릿/오라클(편의점).pptx
+++ b/PPT템플릿/오라클(편의점).pptx
@@ -11988,7 +11988,7 @@
             <p:spPr>
               <a:xfrm>
                 <a:off x="-3468006" y="2769029"/>
-                <a:ext cx="1682895" cy="359616"/>
+                <a:ext cx="1682895" cy="1477328"/>
               </a:xfrm>
               <a:prstGeom prst="rect">
                 <a:avLst/>
@@ -12008,7 +12008,7 @@
                   <a:defRPr/>
                 </a:pPr>
                 <a:r>
-                  <a:rPr lang="ko-KR" altLang="en-US" sz="1500" b="0" spc="-150">
+                  <a:rPr lang="ko-KR" altLang="en-US" sz="1500" b="0" spc="-150" dirty="0" smtClean="0">
                     <a:solidFill>
                       <a:schemeClr val="tx1">
                         <a:lumMod val="75000"/>
@@ -12018,8 +12018,83 @@
                     <a:latin typeface="나눔고딕"/>
                     <a:ea typeface="나눔고딕"/>
                   </a:rPr>
-                  <a:t>ㄹㄹ</a:t>
+                  <a:t>팀원들을 통하여 오라클 </a:t>
                 </a:r>
+                <a:r>
+                  <a:rPr lang="en-US" altLang="ko-KR" sz="1500" b="0" spc="-150" dirty="0" smtClean="0">
+                    <a:solidFill>
+                      <a:schemeClr val="tx1">
+                        <a:lumMod val="75000"/>
+                        <a:lumOff val="25000"/>
+                      </a:schemeClr>
+                    </a:solidFill>
+                    <a:latin typeface="나눔고딕"/>
+                    <a:ea typeface="나눔고딕"/>
+                  </a:rPr>
+                  <a:t>SQL</a:t>
+                </a:r>
+                <a:r>
+                  <a:rPr lang="ko-KR" altLang="en-US" sz="1500" spc="-150" dirty="0" smtClean="0">
+                    <a:solidFill>
+                      <a:schemeClr val="tx1">
+                        <a:lumMod val="75000"/>
+                        <a:lumOff val="25000"/>
+                      </a:schemeClr>
+                    </a:solidFill>
+                    <a:latin typeface="나눔고딕"/>
+                    <a:ea typeface="나눔고딕"/>
+                  </a:rPr>
+                  <a:t>의 기본 개념을 이해할 수 있는 좋은 기회가 </a:t>
+                </a:r>
+                <a:r>
+                  <a:rPr lang="ko-KR" altLang="en-US" sz="1500" spc="-150" dirty="0" err="1" smtClean="0">
+                    <a:solidFill>
+                      <a:schemeClr val="tx1">
+                        <a:lumMod val="75000"/>
+                        <a:lumOff val="25000"/>
+                      </a:schemeClr>
+                    </a:solidFill>
+                    <a:latin typeface="나눔고딕"/>
+                    <a:ea typeface="나눔고딕"/>
+                  </a:rPr>
+                  <a:t>된것</a:t>
+                </a:r>
+                <a:r>
+                  <a:rPr lang="ko-KR" altLang="en-US" sz="1500" spc="-150" dirty="0" smtClean="0">
+                    <a:solidFill>
+                      <a:schemeClr val="tx1">
+                        <a:lumMod val="75000"/>
+                        <a:lumOff val="25000"/>
+                      </a:schemeClr>
+                    </a:solidFill>
+                    <a:latin typeface="나눔고딕"/>
+                    <a:ea typeface="나눔고딕"/>
+                  </a:rPr>
+                  <a:t> 같다</a:t>
+                </a:r>
+                <a:r>
+                  <a:rPr lang="en-US" altLang="ko-KR" sz="1500" spc="-150" smtClean="0">
+                    <a:solidFill>
+                      <a:schemeClr val="tx1">
+                        <a:lumMod val="75000"/>
+                        <a:lumOff val="25000"/>
+                      </a:schemeClr>
+                    </a:solidFill>
+                    <a:latin typeface="나눔고딕"/>
+                    <a:ea typeface="나눔고딕"/>
+                  </a:rPr>
+                  <a:t>..</a:t>
+                </a:r>
+                <a:endParaRPr lang="ko-KR" altLang="en-US" sz="1500" b="0" spc="-150" dirty="0">
+                  <a:solidFill>
+                    <a:schemeClr val="tx1">
+                      <a:lumMod val="75000"/>
+                      <a:lumOff val="25000"/>
+                    </a:schemeClr>
+                  </a:solidFill>
+                  <a:latin typeface="나눔고딕"/>
+                  <a:ea typeface="나눔고딕"/>
+                </a:endParaRPr>
               </a:p>
             </p:txBody>
           </p:sp>
@@ -12371,7 +12446,7 @@
     <mc:Choice Requires="p14">
       <p:transition p14:dur="0"/>
     </mc:Choice>
-    <mc:Fallback xmlns="" xmlns:c="http://schemas.openxmlformats.org/drawingml/2006/chart" xmlns:dgm="http://schemas.openxmlformats.org/drawingml/2006/diagram" xmlns:dsp="http://schemas.microsoft.com/office/drawing/2008/diagram">
+    <mc:Fallback xmlns:dsp="http://schemas.microsoft.com/office/drawing/2008/diagram" xmlns:dgm="http://schemas.openxmlformats.org/drawingml/2006/diagram" xmlns:c="http://schemas.openxmlformats.org/drawingml/2006/chart" xmlns="">
       <p:transition/>
     </mc:Fallback>
   </mc:AlternateContent>
